--- a/public/raw_images/distribute1.pptx
+++ b/public/raw_images/distribute1.pptx
@@ -8,8 +8,10 @@
     <p:sldId id="257" r:id="rId2"/>
     <p:sldId id="258" r:id="rId3"/>
     <p:sldId id="259" r:id="rId4"/>
-    <p:sldId id="260" r:id="rId5"/>
-    <p:sldId id="261" r:id="rId6"/>
+    <p:sldId id="261" r:id="rId5"/>
+    <p:sldId id="262" r:id="rId6"/>
+    <p:sldId id="263" r:id="rId7"/>
+    <p:sldId id="264" r:id="rId8"/>
   </p:sldIdLst>
   <p:sldSz cx="12192000" cy="6858000"/>
   <p:notesSz cx="6858000" cy="9144000"/>
@@ -108,6 +110,11 @@
       </a:defRPr>
     </a:lvl9pPr>
   </p:defaultTextStyle>
+  <p:extLst>
+    <p:ext uri="{EFAFB233-063F-42B5-8137-9DF3F51BA10A}">
+      <p15:sldGuideLst xmlns:p15="http://schemas.microsoft.com/office/powerpoint/2012/main"/>
+    </p:ext>
+  </p:extLst>
 </p:presentation>
 </file>
 
@@ -242,7 +249,7 @@
           <a:p>
             <a:fld id="{972E596A-2619-3741-BFB2-CC07317E733A}" type="datetimeFigureOut">
               <a:rPr lang="en-US" smtClean="0"/>
-              <a:t>1/30/17</a:t>
+              <a:t>2/6/17</a:t>
             </a:fld>
             <a:endParaRPr lang="en-US"/>
           </a:p>
@@ -412,7 +419,7 @@
           <a:p>
             <a:fld id="{972E596A-2619-3741-BFB2-CC07317E733A}" type="datetimeFigureOut">
               <a:rPr lang="en-US" smtClean="0"/>
-              <a:t>1/30/17</a:t>
+              <a:t>2/6/17</a:t>
             </a:fld>
             <a:endParaRPr lang="en-US"/>
           </a:p>
@@ -592,7 +599,7 @@
           <a:p>
             <a:fld id="{972E596A-2619-3741-BFB2-CC07317E733A}" type="datetimeFigureOut">
               <a:rPr lang="en-US" smtClean="0"/>
-              <a:t>1/30/17</a:t>
+              <a:t>2/6/17</a:t>
             </a:fld>
             <a:endParaRPr lang="en-US"/>
           </a:p>
@@ -762,7 +769,7 @@
           <a:p>
             <a:fld id="{972E596A-2619-3741-BFB2-CC07317E733A}" type="datetimeFigureOut">
               <a:rPr lang="en-US" smtClean="0"/>
-              <a:t>1/30/17</a:t>
+              <a:t>2/6/17</a:t>
             </a:fld>
             <a:endParaRPr lang="en-US"/>
           </a:p>
@@ -1008,7 +1015,7 @@
           <a:p>
             <a:fld id="{972E596A-2619-3741-BFB2-CC07317E733A}" type="datetimeFigureOut">
               <a:rPr lang="en-US" smtClean="0"/>
-              <a:t>1/30/17</a:t>
+              <a:t>2/6/17</a:t>
             </a:fld>
             <a:endParaRPr lang="en-US"/>
           </a:p>
@@ -1240,7 +1247,7 @@
           <a:p>
             <a:fld id="{972E596A-2619-3741-BFB2-CC07317E733A}" type="datetimeFigureOut">
               <a:rPr lang="en-US" smtClean="0"/>
-              <a:t>1/30/17</a:t>
+              <a:t>2/6/17</a:t>
             </a:fld>
             <a:endParaRPr lang="en-US"/>
           </a:p>
@@ -1607,7 +1614,7 @@
           <a:p>
             <a:fld id="{972E596A-2619-3741-BFB2-CC07317E733A}" type="datetimeFigureOut">
               <a:rPr lang="en-US" smtClean="0"/>
-              <a:t>1/30/17</a:t>
+              <a:t>2/6/17</a:t>
             </a:fld>
             <a:endParaRPr lang="en-US"/>
           </a:p>
@@ -1725,7 +1732,7 @@
           <a:p>
             <a:fld id="{972E596A-2619-3741-BFB2-CC07317E733A}" type="datetimeFigureOut">
               <a:rPr lang="en-US" smtClean="0"/>
-              <a:t>1/30/17</a:t>
+              <a:t>2/6/17</a:t>
             </a:fld>
             <a:endParaRPr lang="en-US"/>
           </a:p>
@@ -1820,7 +1827,7 @@
           <a:p>
             <a:fld id="{972E596A-2619-3741-BFB2-CC07317E733A}" type="datetimeFigureOut">
               <a:rPr lang="en-US" smtClean="0"/>
-              <a:t>1/30/17</a:t>
+              <a:t>2/6/17</a:t>
             </a:fld>
             <a:endParaRPr lang="en-US"/>
           </a:p>
@@ -2097,7 +2104,7 @@
           <a:p>
             <a:fld id="{972E596A-2619-3741-BFB2-CC07317E733A}" type="datetimeFigureOut">
               <a:rPr lang="en-US" smtClean="0"/>
-              <a:t>1/30/17</a:t>
+              <a:t>2/6/17</a:t>
             </a:fld>
             <a:endParaRPr lang="en-US"/>
           </a:p>
@@ -2350,7 +2357,7 @@
           <a:p>
             <a:fld id="{972E596A-2619-3741-BFB2-CC07317E733A}" type="datetimeFigureOut">
               <a:rPr lang="en-US" smtClean="0"/>
-              <a:t>1/30/17</a:t>
+              <a:t>2/6/17</a:t>
             </a:fld>
             <a:endParaRPr lang="en-US"/>
           </a:p>
@@ -2563,7 +2570,7 @@
           <a:p>
             <a:fld id="{972E596A-2619-3741-BFB2-CC07317E733A}" type="datetimeFigureOut">
               <a:rPr lang="en-US" smtClean="0"/>
-              <a:t>1/30/17</a:t>
+              <a:t>2/6/17</a:t>
             </a:fld>
             <a:endParaRPr lang="en-US"/>
           </a:p>
@@ -2968,624 +2975,6 @@
           <a:chExt cx="0" cy="0"/>
         </a:xfrm>
       </p:grpSpPr>
-      <p:sp>
-        <p:nvSpPr>
-          <p:cNvPr id="4" name="Rectangle 3"/>
-          <p:cNvSpPr/>
-          <p:nvPr/>
-        </p:nvSpPr>
-        <p:spPr>
-          <a:xfrm>
-            <a:off x="1596325" y="898902"/>
-            <a:ext cx="1255363" cy="1255363"/>
-          </a:xfrm>
-          <a:prstGeom prst="rect">
-            <a:avLst/>
-          </a:prstGeom>
-        </p:spPr>
-        <p:style>
-          <a:lnRef idx="2">
-            <a:schemeClr val="accent3"/>
-          </a:lnRef>
-          <a:fillRef idx="1">
-            <a:schemeClr val="lt1"/>
-          </a:fillRef>
-          <a:effectRef idx="0">
-            <a:schemeClr val="accent3"/>
-          </a:effectRef>
-          <a:fontRef idx="minor">
-            <a:schemeClr val="dk1"/>
-          </a:fontRef>
-        </p:style>
-        <p:txBody>
-          <a:bodyPr rtlCol="0" anchor="ctr"/>
-          <a:lstStyle/>
-          <a:p>
-            <a:pPr algn="ctr"/>
-            <a:endParaRPr lang="en-US"/>
-          </a:p>
-        </p:txBody>
-      </p:sp>
-      <p:sp>
-        <p:nvSpPr>
-          <p:cNvPr id="5" name="Rectangle 4"/>
-          <p:cNvSpPr/>
-          <p:nvPr/>
-        </p:nvSpPr>
-        <p:spPr>
-          <a:xfrm>
-            <a:off x="2851688" y="898902"/>
-            <a:ext cx="1255363" cy="1255363"/>
-          </a:xfrm>
-          <a:prstGeom prst="rect">
-            <a:avLst/>
-          </a:prstGeom>
-        </p:spPr>
-        <p:style>
-          <a:lnRef idx="2">
-            <a:schemeClr val="accent3"/>
-          </a:lnRef>
-          <a:fillRef idx="1">
-            <a:schemeClr val="lt1"/>
-          </a:fillRef>
-          <a:effectRef idx="0">
-            <a:schemeClr val="accent3"/>
-          </a:effectRef>
-          <a:fontRef idx="minor">
-            <a:schemeClr val="dk1"/>
-          </a:fontRef>
-        </p:style>
-        <p:txBody>
-          <a:bodyPr rtlCol="0" anchor="ctr"/>
-          <a:lstStyle/>
-          <a:p>
-            <a:pPr algn="ctr"/>
-            <a:endParaRPr lang="en-US"/>
-          </a:p>
-        </p:txBody>
-      </p:sp>
-      <p:sp>
-        <p:nvSpPr>
-          <p:cNvPr id="6" name="Rectangle 5"/>
-          <p:cNvSpPr/>
-          <p:nvPr/>
-        </p:nvSpPr>
-        <p:spPr>
-          <a:xfrm>
-            <a:off x="4107051" y="898901"/>
-            <a:ext cx="1255363" cy="1255363"/>
-          </a:xfrm>
-          <a:prstGeom prst="rect">
-            <a:avLst/>
-          </a:prstGeom>
-        </p:spPr>
-        <p:style>
-          <a:lnRef idx="2">
-            <a:schemeClr val="accent3"/>
-          </a:lnRef>
-          <a:fillRef idx="1">
-            <a:schemeClr val="lt1"/>
-          </a:fillRef>
-          <a:effectRef idx="0">
-            <a:schemeClr val="accent3"/>
-          </a:effectRef>
-          <a:fontRef idx="minor">
-            <a:schemeClr val="dk1"/>
-          </a:fontRef>
-        </p:style>
-        <p:txBody>
-          <a:bodyPr rtlCol="0" anchor="ctr"/>
-          <a:lstStyle/>
-          <a:p>
-            <a:pPr algn="ctr"/>
-            <a:endParaRPr lang="en-US"/>
-          </a:p>
-        </p:txBody>
-      </p:sp>
-      <p:sp>
-        <p:nvSpPr>
-          <p:cNvPr id="7" name="Rectangle 6"/>
-          <p:cNvSpPr/>
-          <p:nvPr/>
-        </p:nvSpPr>
-        <p:spPr>
-          <a:xfrm>
-            <a:off x="5362414" y="898901"/>
-            <a:ext cx="1255363" cy="1255363"/>
-          </a:xfrm>
-          <a:prstGeom prst="rect">
-            <a:avLst/>
-          </a:prstGeom>
-        </p:spPr>
-        <p:style>
-          <a:lnRef idx="2">
-            <a:schemeClr val="accent3"/>
-          </a:lnRef>
-          <a:fillRef idx="1">
-            <a:schemeClr val="lt1"/>
-          </a:fillRef>
-          <a:effectRef idx="0">
-            <a:schemeClr val="accent3"/>
-          </a:effectRef>
-          <a:fontRef idx="minor">
-            <a:schemeClr val="dk1"/>
-          </a:fontRef>
-        </p:style>
-        <p:txBody>
-          <a:bodyPr rtlCol="0" anchor="ctr"/>
-          <a:lstStyle/>
-          <a:p>
-            <a:pPr algn="ctr"/>
-            <a:endParaRPr lang="en-US"/>
-          </a:p>
-        </p:txBody>
-      </p:sp>
-      <p:sp>
-        <p:nvSpPr>
-          <p:cNvPr id="8" name="Rectangle 7"/>
-          <p:cNvSpPr/>
-          <p:nvPr/>
-        </p:nvSpPr>
-        <p:spPr>
-          <a:xfrm>
-            <a:off x="1596325" y="2154264"/>
-            <a:ext cx="1255363" cy="1255363"/>
-          </a:xfrm>
-          <a:prstGeom prst="rect">
-            <a:avLst/>
-          </a:prstGeom>
-        </p:spPr>
-        <p:style>
-          <a:lnRef idx="2">
-            <a:schemeClr val="accent3"/>
-          </a:lnRef>
-          <a:fillRef idx="1">
-            <a:schemeClr val="lt1"/>
-          </a:fillRef>
-          <a:effectRef idx="0">
-            <a:schemeClr val="accent3"/>
-          </a:effectRef>
-          <a:fontRef idx="minor">
-            <a:schemeClr val="dk1"/>
-          </a:fontRef>
-        </p:style>
-        <p:txBody>
-          <a:bodyPr rtlCol="0" anchor="ctr"/>
-          <a:lstStyle/>
-          <a:p>
-            <a:pPr algn="ctr"/>
-            <a:endParaRPr lang="en-US"/>
-          </a:p>
-        </p:txBody>
-      </p:sp>
-      <p:sp>
-        <p:nvSpPr>
-          <p:cNvPr id="9" name="Rectangle 8"/>
-          <p:cNvSpPr/>
-          <p:nvPr/>
-        </p:nvSpPr>
-        <p:spPr>
-          <a:xfrm>
-            <a:off x="2851688" y="2154264"/>
-            <a:ext cx="1255363" cy="1255363"/>
-          </a:xfrm>
-          <a:prstGeom prst="rect">
-            <a:avLst/>
-          </a:prstGeom>
-        </p:spPr>
-        <p:style>
-          <a:lnRef idx="2">
-            <a:schemeClr val="accent3"/>
-          </a:lnRef>
-          <a:fillRef idx="1">
-            <a:schemeClr val="lt1"/>
-          </a:fillRef>
-          <a:effectRef idx="0">
-            <a:schemeClr val="accent3"/>
-          </a:effectRef>
-          <a:fontRef idx="minor">
-            <a:schemeClr val="dk1"/>
-          </a:fontRef>
-        </p:style>
-        <p:txBody>
-          <a:bodyPr rtlCol="0" anchor="ctr"/>
-          <a:lstStyle/>
-          <a:p>
-            <a:pPr algn="ctr"/>
-            <a:endParaRPr lang="en-US"/>
-          </a:p>
-        </p:txBody>
-      </p:sp>
-      <p:sp>
-        <p:nvSpPr>
-          <p:cNvPr id="10" name="Rectangle 9"/>
-          <p:cNvSpPr/>
-          <p:nvPr/>
-        </p:nvSpPr>
-        <p:spPr>
-          <a:xfrm>
-            <a:off x="4107051" y="2154263"/>
-            <a:ext cx="1255363" cy="1255363"/>
-          </a:xfrm>
-          <a:prstGeom prst="rect">
-            <a:avLst/>
-          </a:prstGeom>
-        </p:spPr>
-        <p:style>
-          <a:lnRef idx="2">
-            <a:schemeClr val="accent3"/>
-          </a:lnRef>
-          <a:fillRef idx="1">
-            <a:schemeClr val="lt1"/>
-          </a:fillRef>
-          <a:effectRef idx="0">
-            <a:schemeClr val="accent3"/>
-          </a:effectRef>
-          <a:fontRef idx="minor">
-            <a:schemeClr val="dk1"/>
-          </a:fontRef>
-        </p:style>
-        <p:txBody>
-          <a:bodyPr rtlCol="0" anchor="ctr"/>
-          <a:lstStyle/>
-          <a:p>
-            <a:pPr algn="ctr"/>
-            <a:endParaRPr lang="en-US"/>
-          </a:p>
-        </p:txBody>
-      </p:sp>
-      <p:sp>
-        <p:nvSpPr>
-          <p:cNvPr id="11" name="Rectangle 10"/>
-          <p:cNvSpPr/>
-          <p:nvPr/>
-        </p:nvSpPr>
-        <p:spPr>
-          <a:xfrm>
-            <a:off x="5362414" y="2154263"/>
-            <a:ext cx="1255363" cy="1255363"/>
-          </a:xfrm>
-          <a:prstGeom prst="rect">
-            <a:avLst/>
-          </a:prstGeom>
-        </p:spPr>
-        <p:style>
-          <a:lnRef idx="2">
-            <a:schemeClr val="accent3"/>
-          </a:lnRef>
-          <a:fillRef idx="1">
-            <a:schemeClr val="lt1"/>
-          </a:fillRef>
-          <a:effectRef idx="0">
-            <a:schemeClr val="accent3"/>
-          </a:effectRef>
-          <a:fontRef idx="minor">
-            <a:schemeClr val="dk1"/>
-          </a:fontRef>
-        </p:style>
-        <p:txBody>
-          <a:bodyPr rtlCol="0" anchor="ctr"/>
-          <a:lstStyle/>
-          <a:p>
-            <a:pPr algn="ctr"/>
-            <a:endParaRPr lang="en-US"/>
-          </a:p>
-        </p:txBody>
-      </p:sp>
-      <p:sp>
-        <p:nvSpPr>
-          <p:cNvPr id="12" name="Rectangle 11"/>
-          <p:cNvSpPr/>
-          <p:nvPr/>
-        </p:nvSpPr>
-        <p:spPr>
-          <a:xfrm>
-            <a:off x="1596325" y="3409627"/>
-            <a:ext cx="1255363" cy="1255363"/>
-          </a:xfrm>
-          <a:prstGeom prst="rect">
-            <a:avLst/>
-          </a:prstGeom>
-        </p:spPr>
-        <p:style>
-          <a:lnRef idx="2">
-            <a:schemeClr val="accent3"/>
-          </a:lnRef>
-          <a:fillRef idx="1">
-            <a:schemeClr val="lt1"/>
-          </a:fillRef>
-          <a:effectRef idx="0">
-            <a:schemeClr val="accent3"/>
-          </a:effectRef>
-          <a:fontRef idx="minor">
-            <a:schemeClr val="dk1"/>
-          </a:fontRef>
-        </p:style>
-        <p:txBody>
-          <a:bodyPr rtlCol="0" anchor="ctr"/>
-          <a:lstStyle/>
-          <a:p>
-            <a:pPr algn="ctr"/>
-            <a:endParaRPr lang="en-US"/>
-          </a:p>
-        </p:txBody>
-      </p:sp>
-      <p:sp>
-        <p:nvSpPr>
-          <p:cNvPr id="13" name="Rectangle 12"/>
-          <p:cNvSpPr/>
-          <p:nvPr/>
-        </p:nvSpPr>
-        <p:spPr>
-          <a:xfrm>
-            <a:off x="2851688" y="3409627"/>
-            <a:ext cx="1255363" cy="1255363"/>
-          </a:xfrm>
-          <a:prstGeom prst="rect">
-            <a:avLst/>
-          </a:prstGeom>
-        </p:spPr>
-        <p:style>
-          <a:lnRef idx="2">
-            <a:schemeClr val="accent3"/>
-          </a:lnRef>
-          <a:fillRef idx="1">
-            <a:schemeClr val="lt1"/>
-          </a:fillRef>
-          <a:effectRef idx="0">
-            <a:schemeClr val="accent3"/>
-          </a:effectRef>
-          <a:fontRef idx="minor">
-            <a:schemeClr val="dk1"/>
-          </a:fontRef>
-        </p:style>
-        <p:txBody>
-          <a:bodyPr rtlCol="0" anchor="ctr"/>
-          <a:lstStyle/>
-          <a:p>
-            <a:pPr algn="ctr"/>
-            <a:endParaRPr lang="en-US"/>
-          </a:p>
-        </p:txBody>
-      </p:sp>
-      <p:sp>
-        <p:nvSpPr>
-          <p:cNvPr id="14" name="Rectangle 13"/>
-          <p:cNvSpPr/>
-          <p:nvPr/>
-        </p:nvSpPr>
-        <p:spPr>
-          <a:xfrm>
-            <a:off x="4107051" y="3409626"/>
-            <a:ext cx="1255363" cy="1255363"/>
-          </a:xfrm>
-          <a:prstGeom prst="rect">
-            <a:avLst/>
-          </a:prstGeom>
-        </p:spPr>
-        <p:style>
-          <a:lnRef idx="2">
-            <a:schemeClr val="accent3"/>
-          </a:lnRef>
-          <a:fillRef idx="1">
-            <a:schemeClr val="lt1"/>
-          </a:fillRef>
-          <a:effectRef idx="0">
-            <a:schemeClr val="accent3"/>
-          </a:effectRef>
-          <a:fontRef idx="minor">
-            <a:schemeClr val="dk1"/>
-          </a:fontRef>
-        </p:style>
-        <p:txBody>
-          <a:bodyPr rtlCol="0" anchor="ctr"/>
-          <a:lstStyle/>
-          <a:p>
-            <a:pPr algn="ctr"/>
-            <a:endParaRPr lang="en-US"/>
-          </a:p>
-        </p:txBody>
-      </p:sp>
-      <p:sp>
-        <p:nvSpPr>
-          <p:cNvPr id="15" name="Rectangle 14"/>
-          <p:cNvSpPr/>
-          <p:nvPr/>
-        </p:nvSpPr>
-        <p:spPr>
-          <a:xfrm>
-            <a:off x="5362414" y="3409626"/>
-            <a:ext cx="1255363" cy="1255363"/>
-          </a:xfrm>
-          <a:prstGeom prst="rect">
-            <a:avLst/>
-          </a:prstGeom>
-        </p:spPr>
-        <p:style>
-          <a:lnRef idx="2">
-            <a:schemeClr val="accent3"/>
-          </a:lnRef>
-          <a:fillRef idx="1">
-            <a:schemeClr val="lt1"/>
-          </a:fillRef>
-          <a:effectRef idx="0">
-            <a:schemeClr val="accent3"/>
-          </a:effectRef>
-          <a:fontRef idx="minor">
-            <a:schemeClr val="dk1"/>
-          </a:fontRef>
-        </p:style>
-        <p:txBody>
-          <a:bodyPr rtlCol="0" anchor="ctr"/>
-          <a:lstStyle/>
-          <a:p>
-            <a:pPr algn="ctr"/>
-            <a:endParaRPr lang="en-US"/>
-          </a:p>
-        </p:txBody>
-      </p:sp>
-      <p:sp>
-        <p:nvSpPr>
-          <p:cNvPr id="20" name="Rectangle 19"/>
-          <p:cNvSpPr/>
-          <p:nvPr/>
-        </p:nvSpPr>
-        <p:spPr>
-          <a:xfrm>
-            <a:off x="6617777" y="898900"/>
-            <a:ext cx="1255363" cy="1255363"/>
-          </a:xfrm>
-          <a:prstGeom prst="rect">
-            <a:avLst/>
-          </a:prstGeom>
-        </p:spPr>
-        <p:style>
-          <a:lnRef idx="2">
-            <a:schemeClr val="accent3"/>
-          </a:lnRef>
-          <a:fillRef idx="1">
-            <a:schemeClr val="lt1"/>
-          </a:fillRef>
-          <a:effectRef idx="0">
-            <a:schemeClr val="accent3"/>
-          </a:effectRef>
-          <a:fontRef idx="minor">
-            <a:schemeClr val="dk1"/>
-          </a:fontRef>
-        </p:style>
-        <p:txBody>
-          <a:bodyPr rtlCol="0" anchor="ctr"/>
-          <a:lstStyle/>
-          <a:p>
-            <a:pPr algn="ctr"/>
-            <a:endParaRPr lang="en-US"/>
-          </a:p>
-        </p:txBody>
-      </p:sp>
-      <p:sp>
-        <p:nvSpPr>
-          <p:cNvPr id="21" name="Rectangle 20"/>
-          <p:cNvSpPr/>
-          <p:nvPr/>
-        </p:nvSpPr>
-        <p:spPr>
-          <a:xfrm>
-            <a:off x="6617777" y="2154262"/>
-            <a:ext cx="1255363" cy="1255363"/>
-          </a:xfrm>
-          <a:prstGeom prst="rect">
-            <a:avLst/>
-          </a:prstGeom>
-        </p:spPr>
-        <p:style>
-          <a:lnRef idx="2">
-            <a:schemeClr val="accent3"/>
-          </a:lnRef>
-          <a:fillRef idx="1">
-            <a:schemeClr val="lt1"/>
-          </a:fillRef>
-          <a:effectRef idx="0">
-            <a:schemeClr val="accent3"/>
-          </a:effectRef>
-          <a:fontRef idx="minor">
-            <a:schemeClr val="dk1"/>
-          </a:fontRef>
-        </p:style>
-        <p:txBody>
-          <a:bodyPr rtlCol="0" anchor="ctr"/>
-          <a:lstStyle/>
-          <a:p>
-            <a:pPr algn="ctr"/>
-            <a:endParaRPr lang="en-US"/>
-          </a:p>
-        </p:txBody>
-      </p:sp>
-      <p:sp>
-        <p:nvSpPr>
-          <p:cNvPr id="22" name="Rectangle 21"/>
-          <p:cNvSpPr/>
-          <p:nvPr/>
-        </p:nvSpPr>
-        <p:spPr>
-          <a:xfrm>
-            <a:off x="6617777" y="3409625"/>
-            <a:ext cx="1255363" cy="1255363"/>
-          </a:xfrm>
-          <a:prstGeom prst="rect">
-            <a:avLst/>
-          </a:prstGeom>
-        </p:spPr>
-        <p:style>
-          <a:lnRef idx="2">
-            <a:schemeClr val="accent3"/>
-          </a:lnRef>
-          <a:fillRef idx="1">
-            <a:schemeClr val="lt1"/>
-          </a:fillRef>
-          <a:effectRef idx="0">
-            <a:schemeClr val="accent3"/>
-          </a:effectRef>
-          <a:fontRef idx="minor">
-            <a:schemeClr val="dk1"/>
-          </a:fontRef>
-        </p:style>
-        <p:txBody>
-          <a:bodyPr rtlCol="0" anchor="ctr"/>
-          <a:lstStyle/>
-          <a:p>
-            <a:pPr algn="ctr"/>
-            <a:endParaRPr lang="en-US"/>
-          </a:p>
-        </p:txBody>
-      </p:sp>
-      <p:pic>
-        <p:nvPicPr>
-          <p:cNvPr id="23" name="Picture 22"/>
-          <p:cNvPicPr>
-            <a:picLocks noChangeAspect="1"/>
-          </p:cNvPicPr>
-          <p:nvPr/>
-        </p:nvPicPr>
-        <p:blipFill>
-          <a:blip r:embed="rId2"/>
-          <a:stretch>
-            <a:fillRect/>
-          </a:stretch>
-        </p:blipFill>
-        <p:spPr>
-          <a:xfrm>
-            <a:off x="2938730" y="2309784"/>
-            <a:ext cx="1168321" cy="944320"/>
-          </a:xfrm>
-          <a:prstGeom prst="rect">
-            <a:avLst/>
-          </a:prstGeom>
-        </p:spPr>
-      </p:pic>
-      <p:pic>
-        <p:nvPicPr>
-          <p:cNvPr id="24" name="Picture 23"/>
-          <p:cNvPicPr>
-            <a:picLocks noChangeAspect="1"/>
-          </p:cNvPicPr>
-          <p:nvPr/>
-        </p:nvPicPr>
-        <p:blipFill>
-          <a:blip r:embed="rId2"/>
-          <a:stretch>
-            <a:fillRect/>
-          </a:stretch>
-        </p:blipFill>
-        <p:spPr>
-          <a:xfrm>
-            <a:off x="6661297" y="3565146"/>
-            <a:ext cx="1168321" cy="944320"/>
-          </a:xfrm>
-          <a:prstGeom prst="rect">
-            <a:avLst/>
-          </a:prstGeom>
-        </p:spPr>
-      </p:pic>
       <p:pic>
         <p:nvPicPr>
           <p:cNvPr id="25" name="Picture 24"/>
@@ -3595,7 +2984,7 @@
           <p:nvPr/>
         </p:nvPicPr>
         <p:blipFill>
-          <a:blip r:embed="rId3"/>
+          <a:blip r:embed="rId2"/>
           <a:stretch>
             <a:fillRect/>
           </a:stretch>
@@ -3610,66 +2999,699 @@
           </a:prstGeom>
         </p:spPr>
       </p:pic>
-      <p:pic>
-        <p:nvPicPr>
-          <p:cNvPr id="26" name="Picture 25"/>
-          <p:cNvPicPr>
-            <a:picLocks noChangeAspect="1"/>
-          </p:cNvPicPr>
+      <p:grpSp>
+        <p:nvGrpSpPr>
+          <p:cNvPr id="28" name="Group 27"/>
+          <p:cNvGrpSpPr/>
           <p:nvPr/>
-        </p:nvPicPr>
-        <p:blipFill>
-          <a:blip r:embed="rId4">
-            <a:duotone>
-              <a:schemeClr val="accent2">
-                <a:shade val="45000"/>
-                <a:satMod val="135000"/>
-              </a:schemeClr>
-              <a:prstClr val="white"/>
-            </a:duotone>
-          </a:blip>
-          <a:stretch>
-            <a:fillRect/>
-          </a:stretch>
-        </p:blipFill>
-        <p:spPr>
+        </p:nvGrpSpPr>
+        <p:grpSpPr>
           <a:xfrm>
-            <a:off x="5615517" y="2216957"/>
-            <a:ext cx="749155" cy="1129975"/>
+            <a:off x="1596326" y="898900"/>
+            <a:ext cx="4244036" cy="2546423"/>
+            <a:chOff x="1596325" y="898900"/>
+            <a:chExt cx="6276815" cy="3766090"/>
           </a:xfrm>
-          <a:prstGeom prst="rect">
-            <a:avLst/>
-          </a:prstGeom>
-          <a:noFill/>
-          <a:ln>
+        </p:grpSpPr>
+        <p:sp>
+          <p:nvSpPr>
+            <p:cNvPr id="4" name="Rectangle 3"/>
+            <p:cNvSpPr/>
+            <p:nvPr/>
+          </p:nvSpPr>
+          <p:spPr>
+            <a:xfrm>
+              <a:off x="1596325" y="898902"/>
+              <a:ext cx="1255363" cy="1255363"/>
+            </a:xfrm>
+            <a:prstGeom prst="rect">
+              <a:avLst/>
+            </a:prstGeom>
+          </p:spPr>
+          <p:style>
+            <a:lnRef idx="2">
+              <a:schemeClr val="accent3"/>
+            </a:lnRef>
+            <a:fillRef idx="1">
+              <a:schemeClr val="lt1"/>
+            </a:fillRef>
+            <a:effectRef idx="0">
+              <a:schemeClr val="accent3"/>
+            </a:effectRef>
+            <a:fontRef idx="minor">
+              <a:schemeClr val="dk1"/>
+            </a:fontRef>
+          </p:style>
+          <p:txBody>
+            <a:bodyPr rtlCol="0" anchor="ctr"/>
+            <a:lstStyle/>
+            <a:p>
+              <a:pPr algn="ctr"/>
+              <a:endParaRPr lang="en-US"/>
+            </a:p>
+          </p:txBody>
+        </p:sp>
+        <p:sp>
+          <p:nvSpPr>
+            <p:cNvPr id="5" name="Rectangle 4"/>
+            <p:cNvSpPr/>
+            <p:nvPr/>
+          </p:nvSpPr>
+          <p:spPr>
+            <a:xfrm>
+              <a:off x="2851688" y="898902"/>
+              <a:ext cx="1255363" cy="1255363"/>
+            </a:xfrm>
+            <a:prstGeom prst="rect">
+              <a:avLst/>
+            </a:prstGeom>
+          </p:spPr>
+          <p:style>
+            <a:lnRef idx="2">
+              <a:schemeClr val="accent3"/>
+            </a:lnRef>
+            <a:fillRef idx="1">
+              <a:schemeClr val="lt1"/>
+            </a:fillRef>
+            <a:effectRef idx="0">
+              <a:schemeClr val="accent3"/>
+            </a:effectRef>
+            <a:fontRef idx="minor">
+              <a:schemeClr val="dk1"/>
+            </a:fontRef>
+          </p:style>
+          <p:txBody>
+            <a:bodyPr rtlCol="0" anchor="ctr"/>
+            <a:lstStyle/>
+            <a:p>
+              <a:pPr algn="ctr"/>
+              <a:endParaRPr lang="en-US"/>
+            </a:p>
+          </p:txBody>
+        </p:sp>
+        <p:sp>
+          <p:nvSpPr>
+            <p:cNvPr id="6" name="Rectangle 5"/>
+            <p:cNvSpPr/>
+            <p:nvPr/>
+          </p:nvSpPr>
+          <p:spPr>
+            <a:xfrm>
+              <a:off x="4107051" y="898901"/>
+              <a:ext cx="1255363" cy="1255363"/>
+            </a:xfrm>
+            <a:prstGeom prst="rect">
+              <a:avLst/>
+            </a:prstGeom>
+          </p:spPr>
+          <p:style>
+            <a:lnRef idx="2">
+              <a:schemeClr val="accent3"/>
+            </a:lnRef>
+            <a:fillRef idx="1">
+              <a:schemeClr val="lt1"/>
+            </a:fillRef>
+            <a:effectRef idx="0">
+              <a:schemeClr val="accent3"/>
+            </a:effectRef>
+            <a:fontRef idx="minor">
+              <a:schemeClr val="dk1"/>
+            </a:fontRef>
+          </p:style>
+          <p:txBody>
+            <a:bodyPr rtlCol="0" anchor="ctr"/>
+            <a:lstStyle/>
+            <a:p>
+              <a:pPr algn="ctr"/>
+              <a:endParaRPr lang="en-US"/>
+            </a:p>
+          </p:txBody>
+        </p:sp>
+        <p:sp>
+          <p:nvSpPr>
+            <p:cNvPr id="7" name="Rectangle 6"/>
+            <p:cNvSpPr/>
+            <p:nvPr/>
+          </p:nvSpPr>
+          <p:spPr>
+            <a:xfrm>
+              <a:off x="5362414" y="898901"/>
+              <a:ext cx="1255363" cy="1255363"/>
+            </a:xfrm>
+            <a:prstGeom prst="rect">
+              <a:avLst/>
+            </a:prstGeom>
+          </p:spPr>
+          <p:style>
+            <a:lnRef idx="2">
+              <a:schemeClr val="accent3"/>
+            </a:lnRef>
+            <a:fillRef idx="1">
+              <a:schemeClr val="lt1"/>
+            </a:fillRef>
+            <a:effectRef idx="0">
+              <a:schemeClr val="accent3"/>
+            </a:effectRef>
+            <a:fontRef idx="minor">
+              <a:schemeClr val="dk1"/>
+            </a:fontRef>
+          </p:style>
+          <p:txBody>
+            <a:bodyPr rtlCol="0" anchor="ctr"/>
+            <a:lstStyle/>
+            <a:p>
+              <a:pPr algn="ctr"/>
+              <a:endParaRPr lang="en-US"/>
+            </a:p>
+          </p:txBody>
+        </p:sp>
+        <p:sp>
+          <p:nvSpPr>
+            <p:cNvPr id="8" name="Rectangle 7"/>
+            <p:cNvSpPr/>
+            <p:nvPr/>
+          </p:nvSpPr>
+          <p:spPr>
+            <a:xfrm>
+              <a:off x="1596325" y="2154264"/>
+              <a:ext cx="1255363" cy="1255363"/>
+            </a:xfrm>
+            <a:prstGeom prst="rect">
+              <a:avLst/>
+            </a:prstGeom>
+          </p:spPr>
+          <p:style>
+            <a:lnRef idx="2">
+              <a:schemeClr val="accent3"/>
+            </a:lnRef>
+            <a:fillRef idx="1">
+              <a:schemeClr val="lt1"/>
+            </a:fillRef>
+            <a:effectRef idx="0">
+              <a:schemeClr val="accent3"/>
+            </a:effectRef>
+            <a:fontRef idx="minor">
+              <a:schemeClr val="dk1"/>
+            </a:fontRef>
+          </p:style>
+          <p:txBody>
+            <a:bodyPr rtlCol="0" anchor="ctr"/>
+            <a:lstStyle/>
+            <a:p>
+              <a:pPr algn="ctr"/>
+              <a:endParaRPr lang="en-US"/>
+            </a:p>
+          </p:txBody>
+        </p:sp>
+        <p:sp>
+          <p:nvSpPr>
+            <p:cNvPr id="9" name="Rectangle 8"/>
+            <p:cNvSpPr/>
+            <p:nvPr/>
+          </p:nvSpPr>
+          <p:spPr>
+            <a:xfrm>
+              <a:off x="2851688" y="2154264"/>
+              <a:ext cx="1255363" cy="1255363"/>
+            </a:xfrm>
+            <a:prstGeom prst="rect">
+              <a:avLst/>
+            </a:prstGeom>
+          </p:spPr>
+          <p:style>
+            <a:lnRef idx="2">
+              <a:schemeClr val="accent3"/>
+            </a:lnRef>
+            <a:fillRef idx="1">
+              <a:schemeClr val="lt1"/>
+            </a:fillRef>
+            <a:effectRef idx="0">
+              <a:schemeClr val="accent3"/>
+            </a:effectRef>
+            <a:fontRef idx="minor">
+              <a:schemeClr val="dk1"/>
+            </a:fontRef>
+          </p:style>
+          <p:txBody>
+            <a:bodyPr rtlCol="0" anchor="ctr"/>
+            <a:lstStyle/>
+            <a:p>
+              <a:pPr algn="ctr"/>
+              <a:endParaRPr lang="en-US"/>
+            </a:p>
+          </p:txBody>
+        </p:sp>
+        <p:sp>
+          <p:nvSpPr>
+            <p:cNvPr id="10" name="Rectangle 9"/>
+            <p:cNvSpPr/>
+            <p:nvPr/>
+          </p:nvSpPr>
+          <p:spPr>
+            <a:xfrm>
+              <a:off x="4107051" y="2154263"/>
+              <a:ext cx="1255363" cy="1255363"/>
+            </a:xfrm>
+            <a:prstGeom prst="rect">
+              <a:avLst/>
+            </a:prstGeom>
+          </p:spPr>
+          <p:style>
+            <a:lnRef idx="2">
+              <a:schemeClr val="accent3"/>
+            </a:lnRef>
+            <a:fillRef idx="1">
+              <a:schemeClr val="lt1"/>
+            </a:fillRef>
+            <a:effectRef idx="0">
+              <a:schemeClr val="accent3"/>
+            </a:effectRef>
+            <a:fontRef idx="minor">
+              <a:schemeClr val="dk1"/>
+            </a:fontRef>
+          </p:style>
+          <p:txBody>
+            <a:bodyPr rtlCol="0" anchor="ctr"/>
+            <a:lstStyle/>
+            <a:p>
+              <a:pPr algn="ctr"/>
+              <a:endParaRPr lang="en-US"/>
+            </a:p>
+          </p:txBody>
+        </p:sp>
+        <p:sp>
+          <p:nvSpPr>
+            <p:cNvPr id="11" name="Rectangle 10"/>
+            <p:cNvSpPr/>
+            <p:nvPr/>
+          </p:nvSpPr>
+          <p:spPr>
+            <a:xfrm>
+              <a:off x="5362414" y="2154263"/>
+              <a:ext cx="1255363" cy="1255363"/>
+            </a:xfrm>
+            <a:prstGeom prst="rect">
+              <a:avLst/>
+            </a:prstGeom>
+          </p:spPr>
+          <p:style>
+            <a:lnRef idx="2">
+              <a:schemeClr val="accent3"/>
+            </a:lnRef>
+            <a:fillRef idx="1">
+              <a:schemeClr val="lt1"/>
+            </a:fillRef>
+            <a:effectRef idx="0">
+              <a:schemeClr val="accent3"/>
+            </a:effectRef>
+            <a:fontRef idx="minor">
+              <a:schemeClr val="dk1"/>
+            </a:fontRef>
+          </p:style>
+          <p:txBody>
+            <a:bodyPr rtlCol="0" anchor="ctr"/>
+            <a:lstStyle/>
+            <a:p>
+              <a:pPr algn="ctr"/>
+              <a:endParaRPr lang="en-US"/>
+            </a:p>
+          </p:txBody>
+        </p:sp>
+        <p:sp>
+          <p:nvSpPr>
+            <p:cNvPr id="12" name="Rectangle 11"/>
+            <p:cNvSpPr/>
+            <p:nvPr/>
+          </p:nvSpPr>
+          <p:spPr>
+            <a:xfrm>
+              <a:off x="1596325" y="3409627"/>
+              <a:ext cx="1255363" cy="1255363"/>
+            </a:xfrm>
+            <a:prstGeom prst="rect">
+              <a:avLst/>
+            </a:prstGeom>
+          </p:spPr>
+          <p:style>
+            <a:lnRef idx="2">
+              <a:schemeClr val="accent3"/>
+            </a:lnRef>
+            <a:fillRef idx="1">
+              <a:schemeClr val="lt1"/>
+            </a:fillRef>
+            <a:effectRef idx="0">
+              <a:schemeClr val="accent3"/>
+            </a:effectRef>
+            <a:fontRef idx="minor">
+              <a:schemeClr val="dk1"/>
+            </a:fontRef>
+          </p:style>
+          <p:txBody>
+            <a:bodyPr rtlCol="0" anchor="ctr"/>
+            <a:lstStyle/>
+            <a:p>
+              <a:pPr algn="ctr"/>
+              <a:endParaRPr lang="en-US"/>
+            </a:p>
+          </p:txBody>
+        </p:sp>
+        <p:sp>
+          <p:nvSpPr>
+            <p:cNvPr id="13" name="Rectangle 12"/>
+            <p:cNvSpPr/>
+            <p:nvPr/>
+          </p:nvSpPr>
+          <p:spPr>
+            <a:xfrm>
+              <a:off x="2851688" y="3409627"/>
+              <a:ext cx="1255363" cy="1255363"/>
+            </a:xfrm>
+            <a:prstGeom prst="rect">
+              <a:avLst/>
+            </a:prstGeom>
+          </p:spPr>
+          <p:style>
+            <a:lnRef idx="2">
+              <a:schemeClr val="accent3"/>
+            </a:lnRef>
+            <a:fillRef idx="1">
+              <a:schemeClr val="lt1"/>
+            </a:fillRef>
+            <a:effectRef idx="0">
+              <a:schemeClr val="accent3"/>
+            </a:effectRef>
+            <a:fontRef idx="minor">
+              <a:schemeClr val="dk1"/>
+            </a:fontRef>
+          </p:style>
+          <p:txBody>
+            <a:bodyPr rtlCol="0" anchor="ctr"/>
+            <a:lstStyle/>
+            <a:p>
+              <a:pPr algn="ctr"/>
+              <a:endParaRPr lang="en-US"/>
+            </a:p>
+          </p:txBody>
+        </p:sp>
+        <p:sp>
+          <p:nvSpPr>
+            <p:cNvPr id="14" name="Rectangle 13"/>
+            <p:cNvSpPr/>
+            <p:nvPr/>
+          </p:nvSpPr>
+          <p:spPr>
+            <a:xfrm>
+              <a:off x="4107051" y="3409626"/>
+              <a:ext cx="1255363" cy="1255363"/>
+            </a:xfrm>
+            <a:prstGeom prst="rect">
+              <a:avLst/>
+            </a:prstGeom>
+          </p:spPr>
+          <p:style>
+            <a:lnRef idx="2">
+              <a:schemeClr val="accent3"/>
+            </a:lnRef>
+            <a:fillRef idx="1">
+              <a:schemeClr val="lt1"/>
+            </a:fillRef>
+            <a:effectRef idx="0">
+              <a:schemeClr val="accent3"/>
+            </a:effectRef>
+            <a:fontRef idx="minor">
+              <a:schemeClr val="dk1"/>
+            </a:fontRef>
+          </p:style>
+          <p:txBody>
+            <a:bodyPr rtlCol="0" anchor="ctr"/>
+            <a:lstStyle/>
+            <a:p>
+              <a:pPr algn="ctr"/>
+              <a:endParaRPr lang="en-US"/>
+            </a:p>
+          </p:txBody>
+        </p:sp>
+        <p:sp>
+          <p:nvSpPr>
+            <p:cNvPr id="15" name="Rectangle 14"/>
+            <p:cNvSpPr/>
+            <p:nvPr/>
+          </p:nvSpPr>
+          <p:spPr>
+            <a:xfrm>
+              <a:off x="5362414" y="3409626"/>
+              <a:ext cx="1255363" cy="1255363"/>
+            </a:xfrm>
+            <a:prstGeom prst="rect">
+              <a:avLst/>
+            </a:prstGeom>
+          </p:spPr>
+          <p:style>
+            <a:lnRef idx="2">
+              <a:schemeClr val="accent3"/>
+            </a:lnRef>
+            <a:fillRef idx="1">
+              <a:schemeClr val="lt1"/>
+            </a:fillRef>
+            <a:effectRef idx="0">
+              <a:schemeClr val="accent3"/>
+            </a:effectRef>
+            <a:fontRef idx="minor">
+              <a:schemeClr val="dk1"/>
+            </a:fontRef>
+          </p:style>
+          <p:txBody>
+            <a:bodyPr rtlCol="0" anchor="ctr"/>
+            <a:lstStyle/>
+            <a:p>
+              <a:pPr algn="ctr"/>
+              <a:endParaRPr lang="en-US"/>
+            </a:p>
+          </p:txBody>
+        </p:sp>
+        <p:sp>
+          <p:nvSpPr>
+            <p:cNvPr id="20" name="Rectangle 19"/>
+            <p:cNvSpPr/>
+            <p:nvPr/>
+          </p:nvSpPr>
+          <p:spPr>
+            <a:xfrm>
+              <a:off x="6617777" y="898900"/>
+              <a:ext cx="1255363" cy="1255363"/>
+            </a:xfrm>
+            <a:prstGeom prst="rect">
+              <a:avLst/>
+            </a:prstGeom>
+          </p:spPr>
+          <p:style>
+            <a:lnRef idx="2">
+              <a:schemeClr val="accent3"/>
+            </a:lnRef>
+            <a:fillRef idx="1">
+              <a:schemeClr val="lt1"/>
+            </a:fillRef>
+            <a:effectRef idx="0">
+              <a:schemeClr val="accent3"/>
+            </a:effectRef>
+            <a:fontRef idx="minor">
+              <a:schemeClr val="dk1"/>
+            </a:fontRef>
+          </p:style>
+          <p:txBody>
+            <a:bodyPr rtlCol="0" anchor="ctr"/>
+            <a:lstStyle/>
+            <a:p>
+              <a:pPr algn="ctr"/>
+              <a:endParaRPr lang="en-US"/>
+            </a:p>
+          </p:txBody>
+        </p:sp>
+        <p:sp>
+          <p:nvSpPr>
+            <p:cNvPr id="21" name="Rectangle 20"/>
+            <p:cNvSpPr/>
+            <p:nvPr/>
+          </p:nvSpPr>
+          <p:spPr>
+            <a:xfrm>
+              <a:off x="6617777" y="2154262"/>
+              <a:ext cx="1255363" cy="1255363"/>
+            </a:xfrm>
+            <a:prstGeom prst="rect">
+              <a:avLst/>
+            </a:prstGeom>
+          </p:spPr>
+          <p:style>
+            <a:lnRef idx="2">
+              <a:schemeClr val="accent3"/>
+            </a:lnRef>
+            <a:fillRef idx="1">
+              <a:schemeClr val="lt1"/>
+            </a:fillRef>
+            <a:effectRef idx="0">
+              <a:schemeClr val="accent3"/>
+            </a:effectRef>
+            <a:fontRef idx="minor">
+              <a:schemeClr val="dk1"/>
+            </a:fontRef>
+          </p:style>
+          <p:txBody>
+            <a:bodyPr rtlCol="0" anchor="ctr"/>
+            <a:lstStyle/>
+            <a:p>
+              <a:pPr algn="ctr"/>
+              <a:endParaRPr lang="en-US"/>
+            </a:p>
+          </p:txBody>
+        </p:sp>
+        <p:sp>
+          <p:nvSpPr>
+            <p:cNvPr id="22" name="Rectangle 21"/>
+            <p:cNvSpPr/>
+            <p:nvPr/>
+          </p:nvSpPr>
+          <p:spPr>
+            <a:xfrm>
+              <a:off x="6617777" y="3409625"/>
+              <a:ext cx="1255363" cy="1255363"/>
+            </a:xfrm>
+            <a:prstGeom prst="rect">
+              <a:avLst/>
+            </a:prstGeom>
+          </p:spPr>
+          <p:style>
+            <a:lnRef idx="2">
+              <a:schemeClr val="accent3"/>
+            </a:lnRef>
+            <a:fillRef idx="1">
+              <a:schemeClr val="lt1"/>
+            </a:fillRef>
+            <a:effectRef idx="0">
+              <a:schemeClr val="accent3"/>
+            </a:effectRef>
+            <a:fontRef idx="minor">
+              <a:schemeClr val="dk1"/>
+            </a:fontRef>
+          </p:style>
+          <p:txBody>
+            <a:bodyPr rtlCol="0" anchor="ctr"/>
+            <a:lstStyle/>
+            <a:p>
+              <a:pPr algn="ctr"/>
+              <a:endParaRPr lang="en-US"/>
+            </a:p>
+          </p:txBody>
+        </p:sp>
+        <p:pic>
+          <p:nvPicPr>
+            <p:cNvPr id="23" name="Picture 22"/>
+            <p:cNvPicPr>
+              <a:picLocks noChangeAspect="1"/>
+            </p:cNvPicPr>
+            <p:nvPr/>
+          </p:nvPicPr>
+          <p:blipFill>
+            <a:blip r:embed="rId3"/>
+            <a:stretch>
+              <a:fillRect/>
+            </a:stretch>
+          </p:blipFill>
+          <p:spPr>
+            <a:xfrm>
+              <a:off x="2938730" y="2309784"/>
+              <a:ext cx="1168321" cy="944320"/>
+            </a:xfrm>
+            <a:prstGeom prst="rect">
+              <a:avLst/>
+            </a:prstGeom>
+          </p:spPr>
+        </p:pic>
+        <p:pic>
+          <p:nvPicPr>
+            <p:cNvPr id="24" name="Picture 23"/>
+            <p:cNvPicPr>
+              <a:picLocks noChangeAspect="1"/>
+            </p:cNvPicPr>
+            <p:nvPr/>
+          </p:nvPicPr>
+          <p:blipFill>
+            <a:blip r:embed="rId3"/>
+            <a:stretch>
+              <a:fillRect/>
+            </a:stretch>
+          </p:blipFill>
+          <p:spPr>
+            <a:xfrm>
+              <a:off x="6661297" y="3565146"/>
+              <a:ext cx="1168321" cy="944320"/>
+            </a:xfrm>
+            <a:prstGeom prst="rect">
+              <a:avLst/>
+            </a:prstGeom>
+          </p:spPr>
+        </p:pic>
+        <p:pic>
+          <p:nvPicPr>
+            <p:cNvPr id="26" name="Picture 25"/>
+            <p:cNvPicPr>
+              <a:picLocks noChangeAspect="1"/>
+            </p:cNvPicPr>
+            <p:nvPr/>
+          </p:nvPicPr>
+          <p:blipFill>
+            <a:blip r:embed="rId4">
+              <a:duotone>
+                <a:schemeClr val="accent2">
+                  <a:shade val="45000"/>
+                  <a:satMod val="135000"/>
+                </a:schemeClr>
+                <a:prstClr val="white"/>
+              </a:duotone>
+            </a:blip>
+            <a:stretch>
+              <a:fillRect/>
+            </a:stretch>
+          </p:blipFill>
+          <p:spPr>
+            <a:xfrm>
+              <a:off x="5615517" y="2216957"/>
+              <a:ext cx="749155" cy="1129975"/>
+            </a:xfrm>
+            <a:prstGeom prst="rect">
+              <a:avLst/>
+            </a:prstGeom>
             <a:noFill/>
-          </a:ln>
-        </p:spPr>
-      </p:pic>
-      <p:pic>
-        <p:nvPicPr>
-          <p:cNvPr id="27" name="Picture 26"/>
-          <p:cNvPicPr>
-            <a:picLocks noChangeAspect="1"/>
-          </p:cNvPicPr>
-          <p:nvPr/>
-        </p:nvPicPr>
-        <p:blipFill>
-          <a:blip r:embed="rId4"/>
-          <a:stretch>
-            <a:fillRect/>
-          </a:stretch>
-        </p:blipFill>
-        <p:spPr>
-          <a:xfrm>
-            <a:off x="1849429" y="955595"/>
-            <a:ext cx="749155" cy="1129975"/>
-          </a:xfrm>
-          <a:prstGeom prst="rect">
-            <a:avLst/>
-          </a:prstGeom>
-        </p:spPr>
-      </p:pic>
+            <a:ln>
+              <a:noFill/>
+            </a:ln>
+          </p:spPr>
+        </p:pic>
+        <p:pic>
+          <p:nvPicPr>
+            <p:cNvPr id="27" name="Picture 26"/>
+            <p:cNvPicPr>
+              <a:picLocks noChangeAspect="1"/>
+            </p:cNvPicPr>
+            <p:nvPr/>
+          </p:nvPicPr>
+          <p:blipFill>
+            <a:blip r:embed="rId4"/>
+            <a:stretch>
+              <a:fillRect/>
+            </a:stretch>
+          </p:blipFill>
+          <p:spPr>
+            <a:xfrm>
+              <a:off x="1849429" y="955595"/>
+              <a:ext cx="749155" cy="1129975"/>
+            </a:xfrm>
+            <a:prstGeom prst="rect">
+              <a:avLst/>
+            </a:prstGeom>
+          </p:spPr>
+        </p:pic>
+      </p:grpSp>
     </p:spTree>
     <p:extLst>
       <p:ext uri="{BB962C8B-B14F-4D97-AF65-F5344CB8AC3E}">
@@ -5758,6 +5780,136 @@
           </a:p>
         </p:txBody>
       </p:sp>
+      <p:sp>
+        <p:nvSpPr>
+          <p:cNvPr id="71" name="TextBox 70"/>
+          <p:cNvSpPr txBox="1"/>
+          <p:nvPr/>
+        </p:nvSpPr>
+        <p:spPr>
+          <a:xfrm>
+            <a:off x="1264590" y="1991033"/>
+            <a:ext cx="910827" cy="369332"/>
+          </a:xfrm>
+          <a:prstGeom prst="rect">
+            <a:avLst/>
+          </a:prstGeom>
+          <a:noFill/>
+        </p:spPr>
+        <p:txBody>
+          <a:bodyPr wrap="none" rtlCol="0">
+            <a:spAutoFit/>
+          </a:bodyPr>
+          <a:lstStyle/>
+          <a:p>
+            <a:r>
+              <a:rPr lang="zh-CN" altLang="en-US" dirty="0" smtClean="0">
+                <a:latin typeface="Microsoft JhengHei" charset="0"/>
+                <a:ea typeface="Microsoft JhengHei" charset="0"/>
+                <a:cs typeface="Microsoft JhengHei" charset="0"/>
+              </a:rPr>
+              <a:t>呼叫时</a:t>
+            </a:r>
+            <a:endParaRPr lang="en-US" dirty="0">
+              <a:latin typeface="Microsoft JhengHei" charset="0"/>
+              <a:ea typeface="Microsoft JhengHei" charset="0"/>
+              <a:cs typeface="Microsoft JhengHei" charset="0"/>
+            </a:endParaRPr>
+          </a:p>
+        </p:txBody>
+      </p:sp>
+      <p:sp>
+        <p:nvSpPr>
+          <p:cNvPr id="72" name="TextBox 71"/>
+          <p:cNvSpPr txBox="1"/>
+          <p:nvPr/>
+        </p:nvSpPr>
+        <p:spPr>
+          <a:xfrm>
+            <a:off x="4345721" y="1991033"/>
+            <a:ext cx="779381" cy="369332"/>
+          </a:xfrm>
+          <a:prstGeom prst="rect">
+            <a:avLst/>
+          </a:prstGeom>
+          <a:noFill/>
+        </p:spPr>
+        <p:txBody>
+          <a:bodyPr wrap="none" rtlCol="0">
+            <a:spAutoFit/>
+          </a:bodyPr>
+          <a:lstStyle/>
+          <a:p>
+            <a:r>
+              <a:rPr lang="en-US" altLang="zh-CN" dirty="0" smtClean="0">
+                <a:latin typeface="Microsoft JhengHei" charset="0"/>
+                <a:ea typeface="Microsoft JhengHei" charset="0"/>
+                <a:cs typeface="Microsoft JhengHei" charset="0"/>
+              </a:rPr>
+              <a:t>5</a:t>
+            </a:r>
+            <a:r>
+              <a:rPr lang="zh-CN" altLang="en-US" dirty="0" smtClean="0">
+                <a:latin typeface="Microsoft JhengHei" charset="0"/>
+                <a:ea typeface="Microsoft JhengHei" charset="0"/>
+                <a:cs typeface="Microsoft JhengHei" charset="0"/>
+              </a:rPr>
+              <a:t>秒后</a:t>
+            </a:r>
+            <a:endParaRPr lang="en-US" dirty="0">
+              <a:latin typeface="Microsoft JhengHei" charset="0"/>
+              <a:ea typeface="Microsoft JhengHei" charset="0"/>
+              <a:cs typeface="Microsoft JhengHei" charset="0"/>
+            </a:endParaRPr>
+          </a:p>
+        </p:txBody>
+      </p:sp>
+      <p:sp>
+        <p:nvSpPr>
+          <p:cNvPr id="73" name="TextBox 72"/>
+          <p:cNvSpPr txBox="1"/>
+          <p:nvPr/>
+        </p:nvSpPr>
+        <p:spPr>
+          <a:xfrm>
+            <a:off x="7563315" y="1991033"/>
+            <a:ext cx="912429" cy="369332"/>
+          </a:xfrm>
+          <a:prstGeom prst="rect">
+            <a:avLst/>
+          </a:prstGeom>
+          <a:noFill/>
+        </p:spPr>
+        <p:txBody>
+          <a:bodyPr wrap="none" rtlCol="0">
+            <a:spAutoFit/>
+          </a:bodyPr>
+          <a:lstStyle/>
+          <a:p>
+            <a:r>
+              <a:rPr lang="en-US" altLang="zh-CN" dirty="0" smtClean="0">
+                <a:latin typeface="Microsoft JhengHei" charset="0"/>
+                <a:ea typeface="Microsoft JhengHei" charset="0"/>
+                <a:cs typeface="Microsoft JhengHei" charset="0"/>
+              </a:rPr>
+              <a:t>20</a:t>
+            </a:r>
+            <a:r>
+              <a:rPr lang="zh-CN" altLang="en-US" dirty="0" smtClean="0">
+                <a:latin typeface="Microsoft JhengHei" charset="0"/>
+                <a:ea typeface="Microsoft JhengHei" charset="0"/>
+                <a:cs typeface="Microsoft JhengHei" charset="0"/>
+              </a:rPr>
+              <a:t>秒后</a:t>
+            </a:r>
+            <a:endParaRPr lang="en-US" dirty="0">
+              <a:latin typeface="Microsoft JhengHei" charset="0"/>
+              <a:ea typeface="Microsoft JhengHei" charset="0"/>
+              <a:cs typeface="Microsoft JhengHei" charset="0"/>
+            </a:endParaRPr>
+          </a:p>
+        </p:txBody>
+      </p:sp>
     </p:spTree>
     <p:extLst>
       <p:ext uri="{BB962C8B-B14F-4D97-AF65-F5344CB8AC3E}">
@@ -5795,624 +5947,6 @@
           <a:chExt cx="0" cy="0"/>
         </a:xfrm>
       </p:grpSpPr>
-      <p:sp>
-        <p:nvSpPr>
-          <p:cNvPr id="4" name="Rectangle 3"/>
-          <p:cNvSpPr/>
-          <p:nvPr/>
-        </p:nvSpPr>
-        <p:spPr>
-          <a:xfrm>
-            <a:off x="1596325" y="898902"/>
-            <a:ext cx="1255363" cy="1255363"/>
-          </a:xfrm>
-          <a:prstGeom prst="rect">
-            <a:avLst/>
-          </a:prstGeom>
-        </p:spPr>
-        <p:style>
-          <a:lnRef idx="2">
-            <a:schemeClr val="accent3"/>
-          </a:lnRef>
-          <a:fillRef idx="1">
-            <a:schemeClr val="lt1"/>
-          </a:fillRef>
-          <a:effectRef idx="0">
-            <a:schemeClr val="accent3"/>
-          </a:effectRef>
-          <a:fontRef idx="minor">
-            <a:schemeClr val="dk1"/>
-          </a:fontRef>
-        </p:style>
-        <p:txBody>
-          <a:bodyPr rtlCol="0" anchor="ctr"/>
-          <a:lstStyle/>
-          <a:p>
-            <a:pPr algn="ctr"/>
-            <a:endParaRPr lang="en-US"/>
-          </a:p>
-        </p:txBody>
-      </p:sp>
-      <p:sp>
-        <p:nvSpPr>
-          <p:cNvPr id="5" name="Rectangle 4"/>
-          <p:cNvSpPr/>
-          <p:nvPr/>
-        </p:nvSpPr>
-        <p:spPr>
-          <a:xfrm>
-            <a:off x="2851688" y="898902"/>
-            <a:ext cx="1255363" cy="1255363"/>
-          </a:xfrm>
-          <a:prstGeom prst="rect">
-            <a:avLst/>
-          </a:prstGeom>
-        </p:spPr>
-        <p:style>
-          <a:lnRef idx="2">
-            <a:schemeClr val="accent3"/>
-          </a:lnRef>
-          <a:fillRef idx="1">
-            <a:schemeClr val="lt1"/>
-          </a:fillRef>
-          <a:effectRef idx="0">
-            <a:schemeClr val="accent3"/>
-          </a:effectRef>
-          <a:fontRef idx="minor">
-            <a:schemeClr val="dk1"/>
-          </a:fontRef>
-        </p:style>
-        <p:txBody>
-          <a:bodyPr rtlCol="0" anchor="ctr"/>
-          <a:lstStyle/>
-          <a:p>
-            <a:pPr algn="ctr"/>
-            <a:endParaRPr lang="en-US"/>
-          </a:p>
-        </p:txBody>
-      </p:sp>
-      <p:sp>
-        <p:nvSpPr>
-          <p:cNvPr id="6" name="Rectangle 5"/>
-          <p:cNvSpPr/>
-          <p:nvPr/>
-        </p:nvSpPr>
-        <p:spPr>
-          <a:xfrm>
-            <a:off x="4107051" y="898901"/>
-            <a:ext cx="1255363" cy="1255363"/>
-          </a:xfrm>
-          <a:prstGeom prst="rect">
-            <a:avLst/>
-          </a:prstGeom>
-        </p:spPr>
-        <p:style>
-          <a:lnRef idx="2">
-            <a:schemeClr val="accent3"/>
-          </a:lnRef>
-          <a:fillRef idx="1">
-            <a:schemeClr val="lt1"/>
-          </a:fillRef>
-          <a:effectRef idx="0">
-            <a:schemeClr val="accent3"/>
-          </a:effectRef>
-          <a:fontRef idx="minor">
-            <a:schemeClr val="dk1"/>
-          </a:fontRef>
-        </p:style>
-        <p:txBody>
-          <a:bodyPr rtlCol="0" anchor="ctr"/>
-          <a:lstStyle/>
-          <a:p>
-            <a:pPr algn="ctr"/>
-            <a:endParaRPr lang="en-US"/>
-          </a:p>
-        </p:txBody>
-      </p:sp>
-      <p:sp>
-        <p:nvSpPr>
-          <p:cNvPr id="7" name="Rectangle 6"/>
-          <p:cNvSpPr/>
-          <p:nvPr/>
-        </p:nvSpPr>
-        <p:spPr>
-          <a:xfrm>
-            <a:off x="5362414" y="898901"/>
-            <a:ext cx="1255363" cy="1255363"/>
-          </a:xfrm>
-          <a:prstGeom prst="rect">
-            <a:avLst/>
-          </a:prstGeom>
-        </p:spPr>
-        <p:style>
-          <a:lnRef idx="2">
-            <a:schemeClr val="accent3"/>
-          </a:lnRef>
-          <a:fillRef idx="1">
-            <a:schemeClr val="lt1"/>
-          </a:fillRef>
-          <a:effectRef idx="0">
-            <a:schemeClr val="accent3"/>
-          </a:effectRef>
-          <a:fontRef idx="minor">
-            <a:schemeClr val="dk1"/>
-          </a:fontRef>
-        </p:style>
-        <p:txBody>
-          <a:bodyPr rtlCol="0" anchor="ctr"/>
-          <a:lstStyle/>
-          <a:p>
-            <a:pPr algn="ctr"/>
-            <a:endParaRPr lang="en-US"/>
-          </a:p>
-        </p:txBody>
-      </p:sp>
-      <p:sp>
-        <p:nvSpPr>
-          <p:cNvPr id="8" name="Rectangle 7"/>
-          <p:cNvSpPr/>
-          <p:nvPr/>
-        </p:nvSpPr>
-        <p:spPr>
-          <a:xfrm>
-            <a:off x="1596325" y="2154264"/>
-            <a:ext cx="1255363" cy="1255363"/>
-          </a:xfrm>
-          <a:prstGeom prst="rect">
-            <a:avLst/>
-          </a:prstGeom>
-        </p:spPr>
-        <p:style>
-          <a:lnRef idx="2">
-            <a:schemeClr val="accent3"/>
-          </a:lnRef>
-          <a:fillRef idx="1">
-            <a:schemeClr val="lt1"/>
-          </a:fillRef>
-          <a:effectRef idx="0">
-            <a:schemeClr val="accent3"/>
-          </a:effectRef>
-          <a:fontRef idx="minor">
-            <a:schemeClr val="dk1"/>
-          </a:fontRef>
-        </p:style>
-        <p:txBody>
-          <a:bodyPr rtlCol="0" anchor="ctr"/>
-          <a:lstStyle/>
-          <a:p>
-            <a:pPr algn="ctr"/>
-            <a:endParaRPr lang="en-US"/>
-          </a:p>
-        </p:txBody>
-      </p:sp>
-      <p:sp>
-        <p:nvSpPr>
-          <p:cNvPr id="9" name="Rectangle 8"/>
-          <p:cNvSpPr/>
-          <p:nvPr/>
-        </p:nvSpPr>
-        <p:spPr>
-          <a:xfrm>
-            <a:off x="2851688" y="2154264"/>
-            <a:ext cx="1255363" cy="1255363"/>
-          </a:xfrm>
-          <a:prstGeom prst="rect">
-            <a:avLst/>
-          </a:prstGeom>
-        </p:spPr>
-        <p:style>
-          <a:lnRef idx="2">
-            <a:schemeClr val="accent3"/>
-          </a:lnRef>
-          <a:fillRef idx="1">
-            <a:schemeClr val="lt1"/>
-          </a:fillRef>
-          <a:effectRef idx="0">
-            <a:schemeClr val="accent3"/>
-          </a:effectRef>
-          <a:fontRef idx="minor">
-            <a:schemeClr val="dk1"/>
-          </a:fontRef>
-        </p:style>
-        <p:txBody>
-          <a:bodyPr rtlCol="0" anchor="ctr"/>
-          <a:lstStyle/>
-          <a:p>
-            <a:pPr algn="ctr"/>
-            <a:endParaRPr lang="en-US"/>
-          </a:p>
-        </p:txBody>
-      </p:sp>
-      <p:sp>
-        <p:nvSpPr>
-          <p:cNvPr id="10" name="Rectangle 9"/>
-          <p:cNvSpPr/>
-          <p:nvPr/>
-        </p:nvSpPr>
-        <p:spPr>
-          <a:xfrm>
-            <a:off x="4107051" y="2154263"/>
-            <a:ext cx="1255363" cy="1255363"/>
-          </a:xfrm>
-          <a:prstGeom prst="rect">
-            <a:avLst/>
-          </a:prstGeom>
-        </p:spPr>
-        <p:style>
-          <a:lnRef idx="2">
-            <a:schemeClr val="accent3"/>
-          </a:lnRef>
-          <a:fillRef idx="1">
-            <a:schemeClr val="lt1"/>
-          </a:fillRef>
-          <a:effectRef idx="0">
-            <a:schemeClr val="accent3"/>
-          </a:effectRef>
-          <a:fontRef idx="minor">
-            <a:schemeClr val="dk1"/>
-          </a:fontRef>
-        </p:style>
-        <p:txBody>
-          <a:bodyPr rtlCol="0" anchor="ctr"/>
-          <a:lstStyle/>
-          <a:p>
-            <a:pPr algn="ctr"/>
-            <a:endParaRPr lang="en-US"/>
-          </a:p>
-        </p:txBody>
-      </p:sp>
-      <p:sp>
-        <p:nvSpPr>
-          <p:cNvPr id="11" name="Rectangle 10"/>
-          <p:cNvSpPr/>
-          <p:nvPr/>
-        </p:nvSpPr>
-        <p:spPr>
-          <a:xfrm>
-            <a:off x="5362414" y="2154263"/>
-            <a:ext cx="1255363" cy="1255363"/>
-          </a:xfrm>
-          <a:prstGeom prst="rect">
-            <a:avLst/>
-          </a:prstGeom>
-        </p:spPr>
-        <p:style>
-          <a:lnRef idx="2">
-            <a:schemeClr val="accent3"/>
-          </a:lnRef>
-          <a:fillRef idx="1">
-            <a:schemeClr val="lt1"/>
-          </a:fillRef>
-          <a:effectRef idx="0">
-            <a:schemeClr val="accent3"/>
-          </a:effectRef>
-          <a:fontRef idx="minor">
-            <a:schemeClr val="dk1"/>
-          </a:fontRef>
-        </p:style>
-        <p:txBody>
-          <a:bodyPr rtlCol="0" anchor="ctr"/>
-          <a:lstStyle/>
-          <a:p>
-            <a:pPr algn="ctr"/>
-            <a:endParaRPr lang="en-US"/>
-          </a:p>
-        </p:txBody>
-      </p:sp>
-      <p:sp>
-        <p:nvSpPr>
-          <p:cNvPr id="12" name="Rectangle 11"/>
-          <p:cNvSpPr/>
-          <p:nvPr/>
-        </p:nvSpPr>
-        <p:spPr>
-          <a:xfrm>
-            <a:off x="1596325" y="3409627"/>
-            <a:ext cx="1255363" cy="1255363"/>
-          </a:xfrm>
-          <a:prstGeom prst="rect">
-            <a:avLst/>
-          </a:prstGeom>
-        </p:spPr>
-        <p:style>
-          <a:lnRef idx="2">
-            <a:schemeClr val="accent3"/>
-          </a:lnRef>
-          <a:fillRef idx="1">
-            <a:schemeClr val="lt1"/>
-          </a:fillRef>
-          <a:effectRef idx="0">
-            <a:schemeClr val="accent3"/>
-          </a:effectRef>
-          <a:fontRef idx="minor">
-            <a:schemeClr val="dk1"/>
-          </a:fontRef>
-        </p:style>
-        <p:txBody>
-          <a:bodyPr rtlCol="0" anchor="ctr"/>
-          <a:lstStyle/>
-          <a:p>
-            <a:pPr algn="ctr"/>
-            <a:endParaRPr lang="en-US"/>
-          </a:p>
-        </p:txBody>
-      </p:sp>
-      <p:sp>
-        <p:nvSpPr>
-          <p:cNvPr id="13" name="Rectangle 12"/>
-          <p:cNvSpPr/>
-          <p:nvPr/>
-        </p:nvSpPr>
-        <p:spPr>
-          <a:xfrm>
-            <a:off x="2851688" y="3409627"/>
-            <a:ext cx="1255363" cy="1255363"/>
-          </a:xfrm>
-          <a:prstGeom prst="rect">
-            <a:avLst/>
-          </a:prstGeom>
-        </p:spPr>
-        <p:style>
-          <a:lnRef idx="2">
-            <a:schemeClr val="accent3"/>
-          </a:lnRef>
-          <a:fillRef idx="1">
-            <a:schemeClr val="lt1"/>
-          </a:fillRef>
-          <a:effectRef idx="0">
-            <a:schemeClr val="accent3"/>
-          </a:effectRef>
-          <a:fontRef idx="minor">
-            <a:schemeClr val="dk1"/>
-          </a:fontRef>
-        </p:style>
-        <p:txBody>
-          <a:bodyPr rtlCol="0" anchor="ctr"/>
-          <a:lstStyle/>
-          <a:p>
-            <a:pPr algn="ctr"/>
-            <a:endParaRPr lang="en-US"/>
-          </a:p>
-        </p:txBody>
-      </p:sp>
-      <p:sp>
-        <p:nvSpPr>
-          <p:cNvPr id="14" name="Rectangle 13"/>
-          <p:cNvSpPr/>
-          <p:nvPr/>
-        </p:nvSpPr>
-        <p:spPr>
-          <a:xfrm>
-            <a:off x="4107051" y="3409626"/>
-            <a:ext cx="1255363" cy="1255363"/>
-          </a:xfrm>
-          <a:prstGeom prst="rect">
-            <a:avLst/>
-          </a:prstGeom>
-        </p:spPr>
-        <p:style>
-          <a:lnRef idx="2">
-            <a:schemeClr val="accent3"/>
-          </a:lnRef>
-          <a:fillRef idx="1">
-            <a:schemeClr val="lt1"/>
-          </a:fillRef>
-          <a:effectRef idx="0">
-            <a:schemeClr val="accent3"/>
-          </a:effectRef>
-          <a:fontRef idx="minor">
-            <a:schemeClr val="dk1"/>
-          </a:fontRef>
-        </p:style>
-        <p:txBody>
-          <a:bodyPr rtlCol="0" anchor="ctr"/>
-          <a:lstStyle/>
-          <a:p>
-            <a:pPr algn="ctr"/>
-            <a:endParaRPr lang="en-US"/>
-          </a:p>
-        </p:txBody>
-      </p:sp>
-      <p:sp>
-        <p:nvSpPr>
-          <p:cNvPr id="15" name="Rectangle 14"/>
-          <p:cNvSpPr/>
-          <p:nvPr/>
-        </p:nvSpPr>
-        <p:spPr>
-          <a:xfrm>
-            <a:off x="5362414" y="3409626"/>
-            <a:ext cx="1255363" cy="1255363"/>
-          </a:xfrm>
-          <a:prstGeom prst="rect">
-            <a:avLst/>
-          </a:prstGeom>
-        </p:spPr>
-        <p:style>
-          <a:lnRef idx="2">
-            <a:schemeClr val="accent3"/>
-          </a:lnRef>
-          <a:fillRef idx="1">
-            <a:schemeClr val="lt1"/>
-          </a:fillRef>
-          <a:effectRef idx="0">
-            <a:schemeClr val="accent3"/>
-          </a:effectRef>
-          <a:fontRef idx="minor">
-            <a:schemeClr val="dk1"/>
-          </a:fontRef>
-        </p:style>
-        <p:txBody>
-          <a:bodyPr rtlCol="0" anchor="ctr"/>
-          <a:lstStyle/>
-          <a:p>
-            <a:pPr algn="ctr"/>
-            <a:endParaRPr lang="en-US"/>
-          </a:p>
-        </p:txBody>
-      </p:sp>
-      <p:sp>
-        <p:nvSpPr>
-          <p:cNvPr id="20" name="Rectangle 19"/>
-          <p:cNvSpPr/>
-          <p:nvPr/>
-        </p:nvSpPr>
-        <p:spPr>
-          <a:xfrm>
-            <a:off x="6617777" y="898900"/>
-            <a:ext cx="1255363" cy="1255363"/>
-          </a:xfrm>
-          <a:prstGeom prst="rect">
-            <a:avLst/>
-          </a:prstGeom>
-        </p:spPr>
-        <p:style>
-          <a:lnRef idx="2">
-            <a:schemeClr val="accent3"/>
-          </a:lnRef>
-          <a:fillRef idx="1">
-            <a:schemeClr val="lt1"/>
-          </a:fillRef>
-          <a:effectRef idx="0">
-            <a:schemeClr val="accent3"/>
-          </a:effectRef>
-          <a:fontRef idx="minor">
-            <a:schemeClr val="dk1"/>
-          </a:fontRef>
-        </p:style>
-        <p:txBody>
-          <a:bodyPr rtlCol="0" anchor="ctr"/>
-          <a:lstStyle/>
-          <a:p>
-            <a:pPr algn="ctr"/>
-            <a:endParaRPr lang="en-US"/>
-          </a:p>
-        </p:txBody>
-      </p:sp>
-      <p:sp>
-        <p:nvSpPr>
-          <p:cNvPr id="21" name="Rectangle 20"/>
-          <p:cNvSpPr/>
-          <p:nvPr/>
-        </p:nvSpPr>
-        <p:spPr>
-          <a:xfrm>
-            <a:off x="6617777" y="2154262"/>
-            <a:ext cx="1255363" cy="1255363"/>
-          </a:xfrm>
-          <a:prstGeom prst="rect">
-            <a:avLst/>
-          </a:prstGeom>
-        </p:spPr>
-        <p:style>
-          <a:lnRef idx="2">
-            <a:schemeClr val="accent3"/>
-          </a:lnRef>
-          <a:fillRef idx="1">
-            <a:schemeClr val="lt1"/>
-          </a:fillRef>
-          <a:effectRef idx="0">
-            <a:schemeClr val="accent3"/>
-          </a:effectRef>
-          <a:fontRef idx="minor">
-            <a:schemeClr val="dk1"/>
-          </a:fontRef>
-        </p:style>
-        <p:txBody>
-          <a:bodyPr rtlCol="0" anchor="ctr"/>
-          <a:lstStyle/>
-          <a:p>
-            <a:pPr algn="ctr"/>
-            <a:endParaRPr lang="en-US"/>
-          </a:p>
-        </p:txBody>
-      </p:sp>
-      <p:sp>
-        <p:nvSpPr>
-          <p:cNvPr id="22" name="Rectangle 21"/>
-          <p:cNvSpPr/>
-          <p:nvPr/>
-        </p:nvSpPr>
-        <p:spPr>
-          <a:xfrm>
-            <a:off x="6617777" y="3409625"/>
-            <a:ext cx="1255363" cy="1255363"/>
-          </a:xfrm>
-          <a:prstGeom prst="rect">
-            <a:avLst/>
-          </a:prstGeom>
-        </p:spPr>
-        <p:style>
-          <a:lnRef idx="2">
-            <a:schemeClr val="accent3"/>
-          </a:lnRef>
-          <a:fillRef idx="1">
-            <a:schemeClr val="lt1"/>
-          </a:fillRef>
-          <a:effectRef idx="0">
-            <a:schemeClr val="accent3"/>
-          </a:effectRef>
-          <a:fontRef idx="minor">
-            <a:schemeClr val="dk1"/>
-          </a:fontRef>
-        </p:style>
-        <p:txBody>
-          <a:bodyPr rtlCol="0" anchor="ctr"/>
-          <a:lstStyle/>
-          <a:p>
-            <a:pPr algn="ctr"/>
-            <a:endParaRPr lang="en-US"/>
-          </a:p>
-        </p:txBody>
-      </p:sp>
-      <p:pic>
-        <p:nvPicPr>
-          <p:cNvPr id="23" name="Picture 22"/>
-          <p:cNvPicPr>
-            <a:picLocks noChangeAspect="1"/>
-          </p:cNvPicPr>
-          <p:nvPr/>
-        </p:nvPicPr>
-        <p:blipFill>
-          <a:blip r:embed="rId2"/>
-          <a:stretch>
-            <a:fillRect/>
-          </a:stretch>
-        </p:blipFill>
-        <p:spPr>
-          <a:xfrm>
-            <a:off x="4150572" y="2309783"/>
-            <a:ext cx="1168321" cy="944320"/>
-          </a:xfrm>
-          <a:prstGeom prst="rect">
-            <a:avLst/>
-          </a:prstGeom>
-        </p:spPr>
-      </p:pic>
-      <p:pic>
-        <p:nvPicPr>
-          <p:cNvPr id="24" name="Picture 23"/>
-          <p:cNvPicPr>
-            <a:picLocks noChangeAspect="1"/>
-          </p:cNvPicPr>
-          <p:nvPr/>
-        </p:nvPicPr>
-        <p:blipFill>
-          <a:blip r:embed="rId2"/>
-          <a:stretch>
-            <a:fillRect/>
-          </a:stretch>
-        </p:blipFill>
-        <p:spPr>
-          <a:xfrm>
-            <a:off x="6661297" y="3565146"/>
-            <a:ext cx="1168321" cy="944320"/>
-          </a:xfrm>
-          <a:prstGeom prst="rect">
-            <a:avLst/>
-          </a:prstGeom>
-        </p:spPr>
-      </p:pic>
       <p:pic>
         <p:nvPicPr>
           <p:cNvPr id="25" name="Picture 24"/>
@@ -6422,7 +5956,7 @@
           <p:nvPr/>
         </p:nvPicPr>
         <p:blipFill>
-          <a:blip r:embed="rId3"/>
+          <a:blip r:embed="rId2"/>
           <a:stretch>
             <a:fillRect/>
           </a:stretch>
@@ -6437,142 +5971,699 @@
           </a:prstGeom>
         </p:spPr>
       </p:pic>
-      <p:pic>
-        <p:nvPicPr>
-          <p:cNvPr id="26" name="Picture 25"/>
-          <p:cNvPicPr>
-            <a:picLocks noChangeAspect="1"/>
-          </p:cNvPicPr>
+      <p:grpSp>
+        <p:nvGrpSpPr>
+          <p:cNvPr id="18" name="Group 17"/>
+          <p:cNvGrpSpPr/>
           <p:nvPr/>
-        </p:nvPicPr>
-        <p:blipFill>
-          <a:blip r:embed="rId4">
-            <a:duotone>
-              <a:schemeClr val="accent2">
-                <a:shade val="45000"/>
-                <a:satMod val="135000"/>
-              </a:schemeClr>
-              <a:prstClr val="white"/>
-            </a:duotone>
-          </a:blip>
-          <a:stretch>
-            <a:fillRect/>
-          </a:stretch>
-        </p:blipFill>
-        <p:spPr>
+        </p:nvGrpSpPr>
+        <p:grpSpPr>
           <a:xfrm>
-            <a:off x="5615517" y="2216957"/>
-            <a:ext cx="749155" cy="1129975"/>
+            <a:off x="1596325" y="898900"/>
+            <a:ext cx="6276815" cy="3766090"/>
+            <a:chOff x="1596325" y="898900"/>
+            <a:chExt cx="6276815" cy="3766090"/>
           </a:xfrm>
-          <a:prstGeom prst="rect">
-            <a:avLst/>
-          </a:prstGeom>
-          <a:noFill/>
-          <a:ln>
+        </p:grpSpPr>
+        <p:sp>
+          <p:nvSpPr>
+            <p:cNvPr id="4" name="Rectangle 3"/>
+            <p:cNvSpPr/>
+            <p:nvPr/>
+          </p:nvSpPr>
+          <p:spPr>
+            <a:xfrm>
+              <a:off x="1596325" y="898902"/>
+              <a:ext cx="1255363" cy="1255363"/>
+            </a:xfrm>
+            <a:prstGeom prst="rect">
+              <a:avLst/>
+            </a:prstGeom>
+          </p:spPr>
+          <p:style>
+            <a:lnRef idx="2">
+              <a:schemeClr val="accent3"/>
+            </a:lnRef>
+            <a:fillRef idx="1">
+              <a:schemeClr val="lt1"/>
+            </a:fillRef>
+            <a:effectRef idx="0">
+              <a:schemeClr val="accent3"/>
+            </a:effectRef>
+            <a:fontRef idx="minor">
+              <a:schemeClr val="dk1"/>
+            </a:fontRef>
+          </p:style>
+          <p:txBody>
+            <a:bodyPr rtlCol="0" anchor="ctr"/>
+            <a:lstStyle/>
+            <a:p>
+              <a:pPr algn="ctr"/>
+              <a:endParaRPr lang="en-US"/>
+            </a:p>
+          </p:txBody>
+        </p:sp>
+        <p:sp>
+          <p:nvSpPr>
+            <p:cNvPr id="5" name="Rectangle 4"/>
+            <p:cNvSpPr/>
+            <p:nvPr/>
+          </p:nvSpPr>
+          <p:spPr>
+            <a:xfrm>
+              <a:off x="2851688" y="898902"/>
+              <a:ext cx="1255363" cy="1255363"/>
+            </a:xfrm>
+            <a:prstGeom prst="rect">
+              <a:avLst/>
+            </a:prstGeom>
+          </p:spPr>
+          <p:style>
+            <a:lnRef idx="2">
+              <a:schemeClr val="accent3"/>
+            </a:lnRef>
+            <a:fillRef idx="1">
+              <a:schemeClr val="lt1"/>
+            </a:fillRef>
+            <a:effectRef idx="0">
+              <a:schemeClr val="accent3"/>
+            </a:effectRef>
+            <a:fontRef idx="minor">
+              <a:schemeClr val="dk1"/>
+            </a:fontRef>
+          </p:style>
+          <p:txBody>
+            <a:bodyPr rtlCol="0" anchor="ctr"/>
+            <a:lstStyle/>
+            <a:p>
+              <a:pPr algn="ctr"/>
+              <a:endParaRPr lang="en-US"/>
+            </a:p>
+          </p:txBody>
+        </p:sp>
+        <p:sp>
+          <p:nvSpPr>
+            <p:cNvPr id="6" name="Rectangle 5"/>
+            <p:cNvSpPr/>
+            <p:nvPr/>
+          </p:nvSpPr>
+          <p:spPr>
+            <a:xfrm>
+              <a:off x="4107051" y="898901"/>
+              <a:ext cx="1255363" cy="1255363"/>
+            </a:xfrm>
+            <a:prstGeom prst="rect">
+              <a:avLst/>
+            </a:prstGeom>
+          </p:spPr>
+          <p:style>
+            <a:lnRef idx="2">
+              <a:schemeClr val="accent3"/>
+            </a:lnRef>
+            <a:fillRef idx="1">
+              <a:schemeClr val="lt1"/>
+            </a:fillRef>
+            <a:effectRef idx="0">
+              <a:schemeClr val="accent3"/>
+            </a:effectRef>
+            <a:fontRef idx="minor">
+              <a:schemeClr val="dk1"/>
+            </a:fontRef>
+          </p:style>
+          <p:txBody>
+            <a:bodyPr rtlCol="0" anchor="ctr"/>
+            <a:lstStyle/>
+            <a:p>
+              <a:pPr algn="ctr"/>
+              <a:endParaRPr lang="en-US"/>
+            </a:p>
+          </p:txBody>
+        </p:sp>
+        <p:sp>
+          <p:nvSpPr>
+            <p:cNvPr id="7" name="Rectangle 6"/>
+            <p:cNvSpPr/>
+            <p:nvPr/>
+          </p:nvSpPr>
+          <p:spPr>
+            <a:xfrm>
+              <a:off x="5362414" y="898901"/>
+              <a:ext cx="1255363" cy="1255363"/>
+            </a:xfrm>
+            <a:prstGeom prst="rect">
+              <a:avLst/>
+            </a:prstGeom>
+          </p:spPr>
+          <p:style>
+            <a:lnRef idx="2">
+              <a:schemeClr val="accent3"/>
+            </a:lnRef>
+            <a:fillRef idx="1">
+              <a:schemeClr val="lt1"/>
+            </a:fillRef>
+            <a:effectRef idx="0">
+              <a:schemeClr val="accent3"/>
+            </a:effectRef>
+            <a:fontRef idx="minor">
+              <a:schemeClr val="dk1"/>
+            </a:fontRef>
+          </p:style>
+          <p:txBody>
+            <a:bodyPr rtlCol="0" anchor="ctr"/>
+            <a:lstStyle/>
+            <a:p>
+              <a:pPr algn="ctr"/>
+              <a:endParaRPr lang="en-US"/>
+            </a:p>
+          </p:txBody>
+        </p:sp>
+        <p:sp>
+          <p:nvSpPr>
+            <p:cNvPr id="8" name="Rectangle 7"/>
+            <p:cNvSpPr/>
+            <p:nvPr/>
+          </p:nvSpPr>
+          <p:spPr>
+            <a:xfrm>
+              <a:off x="1596325" y="2154264"/>
+              <a:ext cx="1255363" cy="1255363"/>
+            </a:xfrm>
+            <a:prstGeom prst="rect">
+              <a:avLst/>
+            </a:prstGeom>
+          </p:spPr>
+          <p:style>
+            <a:lnRef idx="2">
+              <a:schemeClr val="accent3"/>
+            </a:lnRef>
+            <a:fillRef idx="1">
+              <a:schemeClr val="lt1"/>
+            </a:fillRef>
+            <a:effectRef idx="0">
+              <a:schemeClr val="accent3"/>
+            </a:effectRef>
+            <a:fontRef idx="minor">
+              <a:schemeClr val="dk1"/>
+            </a:fontRef>
+          </p:style>
+          <p:txBody>
+            <a:bodyPr rtlCol="0" anchor="ctr"/>
+            <a:lstStyle/>
+            <a:p>
+              <a:pPr algn="ctr"/>
+              <a:endParaRPr lang="en-US"/>
+            </a:p>
+          </p:txBody>
+        </p:sp>
+        <p:sp>
+          <p:nvSpPr>
+            <p:cNvPr id="9" name="Rectangle 8"/>
+            <p:cNvSpPr/>
+            <p:nvPr/>
+          </p:nvSpPr>
+          <p:spPr>
+            <a:xfrm>
+              <a:off x="2851688" y="2154264"/>
+              <a:ext cx="1255363" cy="1255363"/>
+            </a:xfrm>
+            <a:prstGeom prst="rect">
+              <a:avLst/>
+            </a:prstGeom>
+          </p:spPr>
+          <p:style>
+            <a:lnRef idx="2">
+              <a:schemeClr val="accent3"/>
+            </a:lnRef>
+            <a:fillRef idx="1">
+              <a:schemeClr val="lt1"/>
+            </a:fillRef>
+            <a:effectRef idx="0">
+              <a:schemeClr val="accent3"/>
+            </a:effectRef>
+            <a:fontRef idx="minor">
+              <a:schemeClr val="dk1"/>
+            </a:fontRef>
+          </p:style>
+          <p:txBody>
+            <a:bodyPr rtlCol="0" anchor="ctr"/>
+            <a:lstStyle/>
+            <a:p>
+              <a:pPr algn="ctr"/>
+              <a:endParaRPr lang="en-US"/>
+            </a:p>
+          </p:txBody>
+        </p:sp>
+        <p:sp>
+          <p:nvSpPr>
+            <p:cNvPr id="10" name="Rectangle 9"/>
+            <p:cNvSpPr/>
+            <p:nvPr/>
+          </p:nvSpPr>
+          <p:spPr>
+            <a:xfrm>
+              <a:off x="4107051" y="2154263"/>
+              <a:ext cx="1255363" cy="1255363"/>
+            </a:xfrm>
+            <a:prstGeom prst="rect">
+              <a:avLst/>
+            </a:prstGeom>
+          </p:spPr>
+          <p:style>
+            <a:lnRef idx="2">
+              <a:schemeClr val="accent3"/>
+            </a:lnRef>
+            <a:fillRef idx="1">
+              <a:schemeClr val="lt1"/>
+            </a:fillRef>
+            <a:effectRef idx="0">
+              <a:schemeClr val="accent3"/>
+            </a:effectRef>
+            <a:fontRef idx="minor">
+              <a:schemeClr val="dk1"/>
+            </a:fontRef>
+          </p:style>
+          <p:txBody>
+            <a:bodyPr rtlCol="0" anchor="ctr"/>
+            <a:lstStyle/>
+            <a:p>
+              <a:pPr algn="ctr"/>
+              <a:endParaRPr lang="en-US"/>
+            </a:p>
+          </p:txBody>
+        </p:sp>
+        <p:sp>
+          <p:nvSpPr>
+            <p:cNvPr id="11" name="Rectangle 10"/>
+            <p:cNvSpPr/>
+            <p:nvPr/>
+          </p:nvSpPr>
+          <p:spPr>
+            <a:xfrm>
+              <a:off x="5362414" y="2154263"/>
+              <a:ext cx="1255363" cy="1255363"/>
+            </a:xfrm>
+            <a:prstGeom prst="rect">
+              <a:avLst/>
+            </a:prstGeom>
+          </p:spPr>
+          <p:style>
+            <a:lnRef idx="2">
+              <a:schemeClr val="accent3"/>
+            </a:lnRef>
+            <a:fillRef idx="1">
+              <a:schemeClr val="lt1"/>
+            </a:fillRef>
+            <a:effectRef idx="0">
+              <a:schemeClr val="accent3"/>
+            </a:effectRef>
+            <a:fontRef idx="minor">
+              <a:schemeClr val="dk1"/>
+            </a:fontRef>
+          </p:style>
+          <p:txBody>
+            <a:bodyPr rtlCol="0" anchor="ctr"/>
+            <a:lstStyle/>
+            <a:p>
+              <a:pPr algn="ctr"/>
+              <a:endParaRPr lang="en-US"/>
+            </a:p>
+          </p:txBody>
+        </p:sp>
+        <p:sp>
+          <p:nvSpPr>
+            <p:cNvPr id="12" name="Rectangle 11"/>
+            <p:cNvSpPr/>
+            <p:nvPr/>
+          </p:nvSpPr>
+          <p:spPr>
+            <a:xfrm>
+              <a:off x="1596325" y="3409627"/>
+              <a:ext cx="1255363" cy="1255363"/>
+            </a:xfrm>
+            <a:prstGeom prst="rect">
+              <a:avLst/>
+            </a:prstGeom>
+          </p:spPr>
+          <p:style>
+            <a:lnRef idx="2">
+              <a:schemeClr val="accent3"/>
+            </a:lnRef>
+            <a:fillRef idx="1">
+              <a:schemeClr val="lt1"/>
+            </a:fillRef>
+            <a:effectRef idx="0">
+              <a:schemeClr val="accent3"/>
+            </a:effectRef>
+            <a:fontRef idx="minor">
+              <a:schemeClr val="dk1"/>
+            </a:fontRef>
+          </p:style>
+          <p:txBody>
+            <a:bodyPr rtlCol="0" anchor="ctr"/>
+            <a:lstStyle/>
+            <a:p>
+              <a:pPr algn="ctr"/>
+              <a:endParaRPr lang="en-US"/>
+            </a:p>
+          </p:txBody>
+        </p:sp>
+        <p:sp>
+          <p:nvSpPr>
+            <p:cNvPr id="13" name="Rectangle 12"/>
+            <p:cNvSpPr/>
+            <p:nvPr/>
+          </p:nvSpPr>
+          <p:spPr>
+            <a:xfrm>
+              <a:off x="2851688" y="3409627"/>
+              <a:ext cx="1255363" cy="1255363"/>
+            </a:xfrm>
+            <a:prstGeom prst="rect">
+              <a:avLst/>
+            </a:prstGeom>
+          </p:spPr>
+          <p:style>
+            <a:lnRef idx="2">
+              <a:schemeClr val="accent3"/>
+            </a:lnRef>
+            <a:fillRef idx="1">
+              <a:schemeClr val="lt1"/>
+            </a:fillRef>
+            <a:effectRef idx="0">
+              <a:schemeClr val="accent3"/>
+            </a:effectRef>
+            <a:fontRef idx="minor">
+              <a:schemeClr val="dk1"/>
+            </a:fontRef>
+          </p:style>
+          <p:txBody>
+            <a:bodyPr rtlCol="0" anchor="ctr"/>
+            <a:lstStyle/>
+            <a:p>
+              <a:pPr algn="ctr"/>
+              <a:endParaRPr lang="en-US"/>
+            </a:p>
+          </p:txBody>
+        </p:sp>
+        <p:sp>
+          <p:nvSpPr>
+            <p:cNvPr id="14" name="Rectangle 13"/>
+            <p:cNvSpPr/>
+            <p:nvPr/>
+          </p:nvSpPr>
+          <p:spPr>
+            <a:xfrm>
+              <a:off x="4107051" y="3409626"/>
+              <a:ext cx="1255363" cy="1255363"/>
+            </a:xfrm>
+            <a:prstGeom prst="rect">
+              <a:avLst/>
+            </a:prstGeom>
+          </p:spPr>
+          <p:style>
+            <a:lnRef idx="2">
+              <a:schemeClr val="accent3"/>
+            </a:lnRef>
+            <a:fillRef idx="1">
+              <a:schemeClr val="lt1"/>
+            </a:fillRef>
+            <a:effectRef idx="0">
+              <a:schemeClr val="accent3"/>
+            </a:effectRef>
+            <a:fontRef idx="minor">
+              <a:schemeClr val="dk1"/>
+            </a:fontRef>
+          </p:style>
+          <p:txBody>
+            <a:bodyPr rtlCol="0" anchor="ctr"/>
+            <a:lstStyle/>
+            <a:p>
+              <a:pPr algn="ctr"/>
+              <a:endParaRPr lang="en-US"/>
+            </a:p>
+          </p:txBody>
+        </p:sp>
+        <p:sp>
+          <p:nvSpPr>
+            <p:cNvPr id="15" name="Rectangle 14"/>
+            <p:cNvSpPr/>
+            <p:nvPr/>
+          </p:nvSpPr>
+          <p:spPr>
+            <a:xfrm>
+              <a:off x="5362414" y="3409626"/>
+              <a:ext cx="1255363" cy="1255363"/>
+            </a:xfrm>
+            <a:prstGeom prst="rect">
+              <a:avLst/>
+            </a:prstGeom>
+          </p:spPr>
+          <p:style>
+            <a:lnRef idx="2">
+              <a:schemeClr val="accent3"/>
+            </a:lnRef>
+            <a:fillRef idx="1">
+              <a:schemeClr val="lt1"/>
+            </a:fillRef>
+            <a:effectRef idx="0">
+              <a:schemeClr val="accent3"/>
+            </a:effectRef>
+            <a:fontRef idx="minor">
+              <a:schemeClr val="dk1"/>
+            </a:fontRef>
+          </p:style>
+          <p:txBody>
+            <a:bodyPr rtlCol="0" anchor="ctr"/>
+            <a:lstStyle/>
+            <a:p>
+              <a:pPr algn="ctr"/>
+              <a:endParaRPr lang="en-US"/>
+            </a:p>
+          </p:txBody>
+        </p:sp>
+        <p:sp>
+          <p:nvSpPr>
+            <p:cNvPr id="20" name="Rectangle 19"/>
+            <p:cNvSpPr/>
+            <p:nvPr/>
+          </p:nvSpPr>
+          <p:spPr>
+            <a:xfrm>
+              <a:off x="6617777" y="898900"/>
+              <a:ext cx="1255363" cy="1255363"/>
+            </a:xfrm>
+            <a:prstGeom prst="rect">
+              <a:avLst/>
+            </a:prstGeom>
+          </p:spPr>
+          <p:style>
+            <a:lnRef idx="2">
+              <a:schemeClr val="accent3"/>
+            </a:lnRef>
+            <a:fillRef idx="1">
+              <a:schemeClr val="lt1"/>
+            </a:fillRef>
+            <a:effectRef idx="0">
+              <a:schemeClr val="accent3"/>
+            </a:effectRef>
+            <a:fontRef idx="minor">
+              <a:schemeClr val="dk1"/>
+            </a:fontRef>
+          </p:style>
+          <p:txBody>
+            <a:bodyPr rtlCol="0" anchor="ctr"/>
+            <a:lstStyle/>
+            <a:p>
+              <a:pPr algn="ctr"/>
+              <a:endParaRPr lang="en-US"/>
+            </a:p>
+          </p:txBody>
+        </p:sp>
+        <p:sp>
+          <p:nvSpPr>
+            <p:cNvPr id="21" name="Rectangle 20"/>
+            <p:cNvSpPr/>
+            <p:nvPr/>
+          </p:nvSpPr>
+          <p:spPr>
+            <a:xfrm>
+              <a:off x="6617777" y="2154262"/>
+              <a:ext cx="1255363" cy="1255363"/>
+            </a:xfrm>
+            <a:prstGeom prst="rect">
+              <a:avLst/>
+            </a:prstGeom>
+          </p:spPr>
+          <p:style>
+            <a:lnRef idx="2">
+              <a:schemeClr val="accent3"/>
+            </a:lnRef>
+            <a:fillRef idx="1">
+              <a:schemeClr val="lt1"/>
+            </a:fillRef>
+            <a:effectRef idx="0">
+              <a:schemeClr val="accent3"/>
+            </a:effectRef>
+            <a:fontRef idx="minor">
+              <a:schemeClr val="dk1"/>
+            </a:fontRef>
+          </p:style>
+          <p:txBody>
+            <a:bodyPr rtlCol="0" anchor="ctr"/>
+            <a:lstStyle/>
+            <a:p>
+              <a:pPr algn="ctr"/>
+              <a:endParaRPr lang="en-US"/>
+            </a:p>
+          </p:txBody>
+        </p:sp>
+        <p:sp>
+          <p:nvSpPr>
+            <p:cNvPr id="22" name="Rectangle 21"/>
+            <p:cNvSpPr/>
+            <p:nvPr/>
+          </p:nvSpPr>
+          <p:spPr>
+            <a:xfrm>
+              <a:off x="6617777" y="3409625"/>
+              <a:ext cx="1255363" cy="1255363"/>
+            </a:xfrm>
+            <a:prstGeom prst="rect">
+              <a:avLst/>
+            </a:prstGeom>
+          </p:spPr>
+          <p:style>
+            <a:lnRef idx="2">
+              <a:schemeClr val="accent3"/>
+            </a:lnRef>
+            <a:fillRef idx="1">
+              <a:schemeClr val="lt1"/>
+            </a:fillRef>
+            <a:effectRef idx="0">
+              <a:schemeClr val="accent3"/>
+            </a:effectRef>
+            <a:fontRef idx="minor">
+              <a:schemeClr val="dk1"/>
+            </a:fontRef>
+          </p:style>
+          <p:txBody>
+            <a:bodyPr rtlCol="0" anchor="ctr"/>
+            <a:lstStyle/>
+            <a:p>
+              <a:pPr algn="ctr"/>
+              <a:endParaRPr lang="en-US"/>
+            </a:p>
+          </p:txBody>
+        </p:sp>
+        <p:pic>
+          <p:nvPicPr>
+            <p:cNvPr id="23" name="Picture 22"/>
+            <p:cNvPicPr>
+              <a:picLocks noChangeAspect="1"/>
+            </p:cNvPicPr>
+            <p:nvPr/>
+          </p:nvPicPr>
+          <p:blipFill>
+            <a:blip r:embed="rId3"/>
+            <a:stretch>
+              <a:fillRect/>
+            </a:stretch>
+          </p:blipFill>
+          <p:spPr>
+            <a:xfrm>
+              <a:off x="4150572" y="2309783"/>
+              <a:ext cx="1168321" cy="944320"/>
+            </a:xfrm>
+            <a:prstGeom prst="rect">
+              <a:avLst/>
+            </a:prstGeom>
+          </p:spPr>
+        </p:pic>
+        <p:pic>
+          <p:nvPicPr>
+            <p:cNvPr id="24" name="Picture 23"/>
+            <p:cNvPicPr>
+              <a:picLocks noChangeAspect="1"/>
+            </p:cNvPicPr>
+            <p:nvPr/>
+          </p:nvPicPr>
+          <p:blipFill>
+            <a:blip r:embed="rId3"/>
+            <a:stretch>
+              <a:fillRect/>
+            </a:stretch>
+          </p:blipFill>
+          <p:spPr>
+            <a:xfrm>
+              <a:off x="6661297" y="3565146"/>
+              <a:ext cx="1168321" cy="944320"/>
+            </a:xfrm>
+            <a:prstGeom prst="rect">
+              <a:avLst/>
+            </a:prstGeom>
+          </p:spPr>
+        </p:pic>
+        <p:pic>
+          <p:nvPicPr>
+            <p:cNvPr id="26" name="Picture 25"/>
+            <p:cNvPicPr>
+              <a:picLocks noChangeAspect="1"/>
+            </p:cNvPicPr>
+            <p:nvPr/>
+          </p:nvPicPr>
+          <p:blipFill>
+            <a:blip r:embed="rId4">
+              <a:duotone>
+                <a:schemeClr val="accent2">
+                  <a:shade val="45000"/>
+                  <a:satMod val="135000"/>
+                </a:schemeClr>
+                <a:prstClr val="white"/>
+              </a:duotone>
+            </a:blip>
+            <a:stretch>
+              <a:fillRect/>
+            </a:stretch>
+          </p:blipFill>
+          <p:spPr>
+            <a:xfrm>
+              <a:off x="5615517" y="2216957"/>
+              <a:ext cx="749155" cy="1129975"/>
+            </a:xfrm>
+            <a:prstGeom prst="rect">
+              <a:avLst/>
+            </a:prstGeom>
             <a:noFill/>
-          </a:ln>
-        </p:spPr>
-      </p:pic>
-      <p:pic>
-        <p:nvPicPr>
-          <p:cNvPr id="27" name="Picture 26"/>
-          <p:cNvPicPr>
-            <a:picLocks noChangeAspect="1"/>
-          </p:cNvPicPr>
-          <p:nvPr/>
-        </p:nvPicPr>
-        <p:blipFill>
-          <a:blip r:embed="rId4"/>
-          <a:stretch>
-            <a:fillRect/>
-          </a:stretch>
-        </p:blipFill>
-        <p:spPr>
-          <a:xfrm>
-            <a:off x="1849429" y="955595"/>
-            <a:ext cx="749155" cy="1129975"/>
-          </a:xfrm>
-          <a:prstGeom prst="rect">
-            <a:avLst/>
-          </a:prstGeom>
-        </p:spPr>
-      </p:pic>
-      <p:cxnSp>
-        <p:nvCxnSpPr>
-          <p:cNvPr id="28" name="Straight Connector 27"/>
-          <p:cNvCxnSpPr/>
-          <p:nvPr/>
-        </p:nvCxnSpPr>
-        <p:spPr>
-          <a:xfrm>
-            <a:off x="4879847" y="2814960"/>
-            <a:ext cx="965134" cy="0"/>
-          </a:xfrm>
-          <a:prstGeom prst="line">
-            <a:avLst/>
-          </a:prstGeom>
-          <a:ln w="38100">
-            <a:solidFill>
-              <a:schemeClr val="accent2"/>
-            </a:solidFill>
-            <a:prstDash val="sysDash"/>
-          </a:ln>
-        </p:spPr>
-        <p:style>
-          <a:lnRef idx="1">
-            <a:schemeClr val="accent1"/>
-          </a:lnRef>
-          <a:fillRef idx="0">
-            <a:schemeClr val="accent1"/>
-          </a:fillRef>
-          <a:effectRef idx="0">
-            <a:schemeClr val="accent1"/>
-          </a:effectRef>
-          <a:fontRef idx="minor">
-            <a:schemeClr val="tx1"/>
-          </a:fontRef>
-        </p:style>
-      </p:cxnSp>
-      <p:cxnSp>
-        <p:nvCxnSpPr>
-          <p:cNvPr id="3" name="Elbow Connector 2"/>
-          <p:cNvCxnSpPr/>
-          <p:nvPr/>
-        </p:nvCxnSpPr>
-        <p:spPr>
-          <a:xfrm>
-            <a:off x="2385391" y="1563758"/>
-            <a:ext cx="4823792" cy="2411894"/>
-          </a:xfrm>
-          <a:prstGeom prst="bentConnector3">
-            <a:avLst>
-              <a:gd name="adj1" fmla="val 100000"/>
-            </a:avLst>
-          </a:prstGeom>
-          <a:ln w="38100">
-            <a:solidFill>
-              <a:schemeClr val="bg1">
-                <a:lumMod val="85000"/>
-              </a:schemeClr>
-            </a:solidFill>
-            <a:prstDash val="sysDash"/>
-          </a:ln>
-        </p:spPr>
-        <p:style>
-          <a:lnRef idx="1">
-            <a:schemeClr val="accent1"/>
-          </a:lnRef>
-          <a:fillRef idx="0">
-            <a:schemeClr val="accent1"/>
-          </a:fillRef>
-          <a:effectRef idx="0">
-            <a:schemeClr val="accent1"/>
-          </a:effectRef>
-          <a:fontRef idx="minor">
-            <a:schemeClr val="tx1"/>
-          </a:fontRef>
-        </p:style>
-      </p:cxnSp>
+            <a:ln>
+              <a:noFill/>
+            </a:ln>
+          </p:spPr>
+        </p:pic>
+        <p:pic>
+          <p:nvPicPr>
+            <p:cNvPr id="27" name="Picture 26"/>
+            <p:cNvPicPr>
+              <a:picLocks noChangeAspect="1"/>
+            </p:cNvPicPr>
+            <p:nvPr/>
+          </p:nvPicPr>
+          <p:blipFill>
+            <a:blip r:embed="rId4"/>
+            <a:stretch>
+              <a:fillRect/>
+            </a:stretch>
+          </p:blipFill>
+          <p:spPr>
+            <a:xfrm>
+              <a:off x="1849429" y="955595"/>
+              <a:ext cx="749155" cy="1129975"/>
+            </a:xfrm>
+            <a:prstGeom prst="rect">
+              <a:avLst/>
+            </a:prstGeom>
+          </p:spPr>
+        </p:pic>
+      </p:grpSp>
     </p:spTree>
     <p:extLst>
       <p:ext uri="{BB962C8B-B14F-4D97-AF65-F5344CB8AC3E}">
@@ -6594,43 +6685,6 @@
 </file>
 
 <file path=ppt/slides/slide4.xml><?xml version="1.0" encoding="utf-8"?>
-<p:sld xmlns:a="http://schemas.openxmlformats.org/drawingml/2006/main" xmlns:r="http://schemas.openxmlformats.org/officeDocument/2006/relationships" xmlns:p="http://schemas.openxmlformats.org/presentationml/2006/main">
-  <p:cSld>
-    <p:spTree>
-      <p:nvGrpSpPr>
-        <p:cNvPr id="1" name=""/>
-        <p:cNvGrpSpPr/>
-        <p:nvPr/>
-      </p:nvGrpSpPr>
-      <p:grpSpPr>
-        <a:xfrm>
-          <a:off x="0" y="0"/>
-          <a:ext cx="0" cy="0"/>
-          <a:chOff x="0" y="0"/>
-          <a:chExt cx="0" cy="0"/>
-        </a:xfrm>
-      </p:grpSpPr>
-    </p:spTree>
-    <p:extLst>
-      <p:ext uri="{BB962C8B-B14F-4D97-AF65-F5344CB8AC3E}">
-        <p14:creationId xmlns:p14="http://schemas.microsoft.com/office/powerpoint/2010/main" val="1140310249"/>
-      </p:ext>
-    </p:extLst>
-  </p:cSld>
-  <p:clrMapOvr>
-    <a:masterClrMapping/>
-  </p:clrMapOvr>
-  <p:timing>
-    <p:tnLst>
-      <p:par>
-        <p:cTn id="1" dur="indefinite" restart="never" nodeType="tmRoot"/>
-      </p:par>
-    </p:tnLst>
-  </p:timing>
-</p:sld>
-</file>
-
-<file path=ppt/slides/slide5.xml><?xml version="1.0" encoding="utf-8"?>
 <p:sld xmlns:a="http://schemas.openxmlformats.org/drawingml/2006/main" xmlns:r="http://schemas.openxmlformats.org/officeDocument/2006/relationships" xmlns:p="http://schemas.openxmlformats.org/presentationml/2006/main">
   <p:cSld>
     <p:spTree>
@@ -8915,6 +8969,2683 @@
       </p:par>
     </p:tnLst>
   </p:timing>
+</p:sld>
+</file>
+
+<file path=ppt/slides/slide5.xml><?xml version="1.0" encoding="utf-8"?>
+<p:sld xmlns:a="http://schemas.openxmlformats.org/drawingml/2006/main" xmlns:r="http://schemas.openxmlformats.org/officeDocument/2006/relationships" xmlns:p="http://schemas.openxmlformats.org/presentationml/2006/main">
+  <p:cSld>
+    <p:spTree>
+      <p:nvGrpSpPr>
+        <p:cNvPr id="1" name=""/>
+        <p:cNvGrpSpPr/>
+        <p:nvPr/>
+      </p:nvGrpSpPr>
+      <p:grpSpPr>
+        <a:xfrm>
+          <a:off x="0" y="0"/>
+          <a:ext cx="0" cy="0"/>
+          <a:chOff x="0" y="0"/>
+          <a:chExt cx="0" cy="0"/>
+        </a:xfrm>
+      </p:grpSpPr>
+      <p:grpSp>
+        <p:nvGrpSpPr>
+          <p:cNvPr id="7" name="Group 6"/>
+          <p:cNvGrpSpPr/>
+          <p:nvPr/>
+        </p:nvGrpSpPr>
+        <p:grpSpPr>
+          <a:xfrm>
+            <a:off x="369940" y="289028"/>
+            <a:ext cx="6355326" cy="1596580"/>
+            <a:chOff x="369939" y="289028"/>
+            <a:chExt cx="8442427" cy="2120900"/>
+          </a:xfrm>
+        </p:grpSpPr>
+        <p:pic>
+          <p:nvPicPr>
+            <p:cNvPr id="4" name="Picture 3"/>
+            <p:cNvPicPr>
+              <a:picLocks noChangeAspect="1"/>
+            </p:cNvPicPr>
+            <p:nvPr/>
+          </p:nvPicPr>
+          <p:blipFill>
+            <a:blip r:embed="rId2"/>
+            <a:stretch>
+              <a:fillRect/>
+            </a:stretch>
+          </p:blipFill>
+          <p:spPr>
+            <a:xfrm>
+              <a:off x="369939" y="308078"/>
+              <a:ext cx="5257800" cy="2082800"/>
+            </a:xfrm>
+            <a:prstGeom prst="rect">
+              <a:avLst/>
+            </a:prstGeom>
+          </p:spPr>
+        </p:pic>
+        <p:pic>
+          <p:nvPicPr>
+            <p:cNvPr id="6" name="Picture 5"/>
+            <p:cNvPicPr>
+              <a:picLocks noChangeAspect="1"/>
+            </p:cNvPicPr>
+            <p:nvPr/>
+          </p:nvPicPr>
+          <p:blipFill>
+            <a:blip r:embed="rId3"/>
+            <a:stretch>
+              <a:fillRect/>
+            </a:stretch>
+          </p:blipFill>
+          <p:spPr>
+            <a:xfrm>
+              <a:off x="5827866" y="289028"/>
+              <a:ext cx="2984500" cy="2120900"/>
+            </a:xfrm>
+            <a:prstGeom prst="rect">
+              <a:avLst/>
+            </a:prstGeom>
+          </p:spPr>
+        </p:pic>
+      </p:grpSp>
+      <p:pic>
+        <p:nvPicPr>
+          <p:cNvPr id="9" name="Picture 8"/>
+          <p:cNvPicPr>
+            <a:picLocks noChangeAspect="1"/>
+          </p:cNvPicPr>
+          <p:nvPr/>
+        </p:nvPicPr>
+        <p:blipFill>
+          <a:blip r:embed="rId4"/>
+          <a:stretch>
+            <a:fillRect/>
+          </a:stretch>
+        </p:blipFill>
+        <p:spPr>
+          <a:xfrm>
+            <a:off x="6875918" y="303368"/>
+            <a:ext cx="2487733" cy="1567899"/>
+          </a:xfrm>
+          <a:prstGeom prst="rect">
+            <a:avLst/>
+          </a:prstGeom>
+        </p:spPr>
+      </p:pic>
+    </p:spTree>
+    <p:extLst>
+      <p:ext uri="{BB962C8B-B14F-4D97-AF65-F5344CB8AC3E}">
+        <p14:creationId xmlns:p14="http://schemas.microsoft.com/office/powerpoint/2010/main" val="1453071779"/>
+      </p:ext>
+    </p:extLst>
+  </p:cSld>
+  <p:clrMapOvr>
+    <a:masterClrMapping/>
+  </p:clrMapOvr>
+  <p:timing>
+    <p:tnLst>
+      <p:par>
+        <p:cTn id="1" dur="indefinite" restart="never" nodeType="tmRoot"/>
+      </p:par>
+    </p:tnLst>
+  </p:timing>
+</p:sld>
+</file>
+
+<file path=ppt/slides/slide6.xml><?xml version="1.0" encoding="utf-8"?>
+<p:sld xmlns:a="http://schemas.openxmlformats.org/drawingml/2006/main" xmlns:r="http://schemas.openxmlformats.org/officeDocument/2006/relationships" xmlns:p="http://schemas.openxmlformats.org/presentationml/2006/main">
+  <p:cSld>
+    <p:spTree>
+      <p:nvGrpSpPr>
+        <p:cNvPr id="1" name=""/>
+        <p:cNvGrpSpPr/>
+        <p:nvPr/>
+      </p:nvGrpSpPr>
+      <p:grpSpPr>
+        <a:xfrm>
+          <a:off x="0" y="0"/>
+          <a:ext cx="0" cy="0"/>
+          <a:chOff x="0" y="0"/>
+          <a:chExt cx="0" cy="0"/>
+        </a:xfrm>
+      </p:grpSpPr>
+      <p:pic>
+        <p:nvPicPr>
+          <p:cNvPr id="25" name="Picture 24"/>
+          <p:cNvPicPr>
+            <a:picLocks noChangeAspect="1"/>
+          </p:cNvPicPr>
+          <p:nvPr/>
+        </p:nvPicPr>
+        <p:blipFill>
+          <a:blip r:embed="rId2"/>
+          <a:stretch>
+            <a:fillRect/>
+          </a:stretch>
+        </p:blipFill>
+        <p:spPr>
+          <a:xfrm>
+            <a:off x="10934141" y="4090045"/>
+            <a:ext cx="625041" cy="1149885"/>
+          </a:xfrm>
+          <a:prstGeom prst="rect">
+            <a:avLst/>
+          </a:prstGeom>
+        </p:spPr>
+      </p:pic>
+      <p:grpSp>
+        <p:nvGrpSpPr>
+          <p:cNvPr id="2" name="Group 1"/>
+          <p:cNvGrpSpPr/>
+          <p:nvPr/>
+        </p:nvGrpSpPr>
+        <p:grpSpPr>
+          <a:xfrm>
+            <a:off x="681925" y="589184"/>
+            <a:ext cx="2606965" cy="1608326"/>
+            <a:chOff x="1596325" y="898900"/>
+            <a:chExt cx="6276815" cy="3766090"/>
+          </a:xfrm>
+        </p:grpSpPr>
+        <p:sp>
+          <p:nvSpPr>
+            <p:cNvPr id="4" name="Rectangle 3"/>
+            <p:cNvSpPr/>
+            <p:nvPr/>
+          </p:nvSpPr>
+          <p:spPr>
+            <a:xfrm>
+              <a:off x="1596325" y="898902"/>
+              <a:ext cx="1255363" cy="1255363"/>
+            </a:xfrm>
+            <a:prstGeom prst="rect">
+              <a:avLst/>
+            </a:prstGeom>
+            <a:solidFill>
+              <a:schemeClr val="accent2"/>
+            </a:solidFill>
+          </p:spPr>
+          <p:style>
+            <a:lnRef idx="2">
+              <a:schemeClr val="accent3"/>
+            </a:lnRef>
+            <a:fillRef idx="1">
+              <a:schemeClr val="lt1"/>
+            </a:fillRef>
+            <a:effectRef idx="0">
+              <a:schemeClr val="accent3"/>
+            </a:effectRef>
+            <a:fontRef idx="minor">
+              <a:schemeClr val="dk1"/>
+            </a:fontRef>
+          </p:style>
+          <p:txBody>
+            <a:bodyPr rtlCol="0" anchor="ctr"/>
+            <a:lstStyle/>
+            <a:p>
+              <a:pPr algn="ctr"/>
+              <a:endParaRPr lang="en-US"/>
+            </a:p>
+          </p:txBody>
+        </p:sp>
+        <p:sp>
+          <p:nvSpPr>
+            <p:cNvPr id="5" name="Rectangle 4"/>
+            <p:cNvSpPr/>
+            <p:nvPr/>
+          </p:nvSpPr>
+          <p:spPr>
+            <a:xfrm>
+              <a:off x="2851688" y="898902"/>
+              <a:ext cx="1255363" cy="1255363"/>
+            </a:xfrm>
+            <a:prstGeom prst="rect">
+              <a:avLst/>
+            </a:prstGeom>
+            <a:solidFill>
+              <a:schemeClr val="accent2">
+                <a:lumMod val="40000"/>
+                <a:lumOff val="60000"/>
+              </a:schemeClr>
+            </a:solidFill>
+          </p:spPr>
+          <p:style>
+            <a:lnRef idx="2">
+              <a:schemeClr val="accent3"/>
+            </a:lnRef>
+            <a:fillRef idx="1">
+              <a:schemeClr val="lt1"/>
+            </a:fillRef>
+            <a:effectRef idx="0">
+              <a:schemeClr val="accent3"/>
+            </a:effectRef>
+            <a:fontRef idx="minor">
+              <a:schemeClr val="dk1"/>
+            </a:fontRef>
+          </p:style>
+          <p:txBody>
+            <a:bodyPr rtlCol="0" anchor="ctr"/>
+            <a:lstStyle/>
+            <a:p>
+              <a:pPr algn="ctr"/>
+              <a:endParaRPr lang="en-US"/>
+            </a:p>
+          </p:txBody>
+        </p:sp>
+        <p:sp>
+          <p:nvSpPr>
+            <p:cNvPr id="6" name="Rectangle 5"/>
+            <p:cNvSpPr/>
+            <p:nvPr/>
+          </p:nvSpPr>
+          <p:spPr>
+            <a:xfrm>
+              <a:off x="4107051" y="898901"/>
+              <a:ext cx="1255363" cy="1255363"/>
+            </a:xfrm>
+            <a:prstGeom prst="rect">
+              <a:avLst/>
+            </a:prstGeom>
+            <a:solidFill>
+              <a:schemeClr val="accent2">
+                <a:lumMod val="20000"/>
+                <a:lumOff val="80000"/>
+              </a:schemeClr>
+            </a:solidFill>
+          </p:spPr>
+          <p:style>
+            <a:lnRef idx="2">
+              <a:schemeClr val="accent3"/>
+            </a:lnRef>
+            <a:fillRef idx="1">
+              <a:schemeClr val="lt1"/>
+            </a:fillRef>
+            <a:effectRef idx="0">
+              <a:schemeClr val="accent3"/>
+            </a:effectRef>
+            <a:fontRef idx="minor">
+              <a:schemeClr val="dk1"/>
+            </a:fontRef>
+          </p:style>
+          <p:txBody>
+            <a:bodyPr rtlCol="0" anchor="ctr"/>
+            <a:lstStyle/>
+            <a:p>
+              <a:pPr algn="ctr"/>
+              <a:endParaRPr lang="en-US"/>
+            </a:p>
+          </p:txBody>
+        </p:sp>
+        <p:sp>
+          <p:nvSpPr>
+            <p:cNvPr id="7" name="Rectangle 6"/>
+            <p:cNvSpPr/>
+            <p:nvPr/>
+          </p:nvSpPr>
+          <p:spPr>
+            <a:xfrm>
+              <a:off x="5362414" y="898901"/>
+              <a:ext cx="1255363" cy="1255363"/>
+            </a:xfrm>
+            <a:prstGeom prst="rect">
+              <a:avLst/>
+            </a:prstGeom>
+          </p:spPr>
+          <p:style>
+            <a:lnRef idx="2">
+              <a:schemeClr val="accent3"/>
+            </a:lnRef>
+            <a:fillRef idx="1">
+              <a:schemeClr val="lt1"/>
+            </a:fillRef>
+            <a:effectRef idx="0">
+              <a:schemeClr val="accent3"/>
+            </a:effectRef>
+            <a:fontRef idx="minor">
+              <a:schemeClr val="dk1"/>
+            </a:fontRef>
+          </p:style>
+          <p:txBody>
+            <a:bodyPr rtlCol="0" anchor="ctr"/>
+            <a:lstStyle/>
+            <a:p>
+              <a:pPr algn="ctr"/>
+              <a:endParaRPr lang="en-US"/>
+            </a:p>
+          </p:txBody>
+        </p:sp>
+        <p:sp>
+          <p:nvSpPr>
+            <p:cNvPr id="8" name="Rectangle 7"/>
+            <p:cNvSpPr/>
+            <p:nvPr/>
+          </p:nvSpPr>
+          <p:spPr>
+            <a:xfrm>
+              <a:off x="1596325" y="2154264"/>
+              <a:ext cx="1255363" cy="1255363"/>
+            </a:xfrm>
+            <a:prstGeom prst="rect">
+              <a:avLst/>
+            </a:prstGeom>
+            <a:solidFill>
+              <a:schemeClr val="accent2">
+                <a:lumMod val="40000"/>
+                <a:lumOff val="60000"/>
+              </a:schemeClr>
+            </a:solidFill>
+          </p:spPr>
+          <p:style>
+            <a:lnRef idx="2">
+              <a:schemeClr val="accent3"/>
+            </a:lnRef>
+            <a:fillRef idx="1">
+              <a:schemeClr val="lt1"/>
+            </a:fillRef>
+            <a:effectRef idx="0">
+              <a:schemeClr val="accent3"/>
+            </a:effectRef>
+            <a:fontRef idx="minor">
+              <a:schemeClr val="dk1"/>
+            </a:fontRef>
+          </p:style>
+          <p:txBody>
+            <a:bodyPr rtlCol="0" anchor="ctr"/>
+            <a:lstStyle/>
+            <a:p>
+              <a:pPr algn="ctr"/>
+              <a:endParaRPr lang="en-US"/>
+            </a:p>
+          </p:txBody>
+        </p:sp>
+        <p:sp>
+          <p:nvSpPr>
+            <p:cNvPr id="9" name="Rectangle 8"/>
+            <p:cNvSpPr/>
+            <p:nvPr/>
+          </p:nvSpPr>
+          <p:spPr>
+            <a:xfrm>
+              <a:off x="2851688" y="2154264"/>
+              <a:ext cx="1255363" cy="1255363"/>
+            </a:xfrm>
+            <a:prstGeom prst="rect">
+              <a:avLst/>
+            </a:prstGeom>
+            <a:solidFill>
+              <a:schemeClr val="accent2">
+                <a:lumMod val="40000"/>
+                <a:lumOff val="60000"/>
+              </a:schemeClr>
+            </a:solidFill>
+          </p:spPr>
+          <p:style>
+            <a:lnRef idx="2">
+              <a:schemeClr val="accent3"/>
+            </a:lnRef>
+            <a:fillRef idx="1">
+              <a:schemeClr val="lt1"/>
+            </a:fillRef>
+            <a:effectRef idx="0">
+              <a:schemeClr val="accent3"/>
+            </a:effectRef>
+            <a:fontRef idx="minor">
+              <a:schemeClr val="dk1"/>
+            </a:fontRef>
+          </p:style>
+          <p:txBody>
+            <a:bodyPr rtlCol="0" anchor="ctr"/>
+            <a:lstStyle/>
+            <a:p>
+              <a:pPr algn="ctr"/>
+              <a:endParaRPr lang="en-US"/>
+            </a:p>
+          </p:txBody>
+        </p:sp>
+        <p:sp>
+          <p:nvSpPr>
+            <p:cNvPr id="10" name="Rectangle 9"/>
+            <p:cNvSpPr/>
+            <p:nvPr/>
+          </p:nvSpPr>
+          <p:spPr>
+            <a:xfrm>
+              <a:off x="4107051" y="2154263"/>
+              <a:ext cx="1255363" cy="1255363"/>
+            </a:xfrm>
+            <a:prstGeom prst="rect">
+              <a:avLst/>
+            </a:prstGeom>
+          </p:spPr>
+          <p:style>
+            <a:lnRef idx="2">
+              <a:schemeClr val="accent3"/>
+            </a:lnRef>
+            <a:fillRef idx="1">
+              <a:schemeClr val="lt1"/>
+            </a:fillRef>
+            <a:effectRef idx="0">
+              <a:schemeClr val="accent3"/>
+            </a:effectRef>
+            <a:fontRef idx="minor">
+              <a:schemeClr val="dk1"/>
+            </a:fontRef>
+          </p:style>
+          <p:txBody>
+            <a:bodyPr rtlCol="0" anchor="ctr"/>
+            <a:lstStyle/>
+            <a:p>
+              <a:pPr algn="ctr"/>
+              <a:endParaRPr lang="en-US"/>
+            </a:p>
+          </p:txBody>
+        </p:sp>
+        <p:sp>
+          <p:nvSpPr>
+            <p:cNvPr id="11" name="Rectangle 10"/>
+            <p:cNvSpPr/>
+            <p:nvPr/>
+          </p:nvSpPr>
+          <p:spPr>
+            <a:xfrm>
+              <a:off x="5362414" y="2154263"/>
+              <a:ext cx="1255363" cy="1255363"/>
+            </a:xfrm>
+            <a:prstGeom prst="rect">
+              <a:avLst/>
+            </a:prstGeom>
+          </p:spPr>
+          <p:style>
+            <a:lnRef idx="2">
+              <a:schemeClr val="accent3"/>
+            </a:lnRef>
+            <a:fillRef idx="1">
+              <a:schemeClr val="lt1"/>
+            </a:fillRef>
+            <a:effectRef idx="0">
+              <a:schemeClr val="accent3"/>
+            </a:effectRef>
+            <a:fontRef idx="minor">
+              <a:schemeClr val="dk1"/>
+            </a:fontRef>
+          </p:style>
+          <p:txBody>
+            <a:bodyPr rtlCol="0" anchor="ctr"/>
+            <a:lstStyle/>
+            <a:p>
+              <a:pPr algn="ctr"/>
+              <a:endParaRPr lang="en-US"/>
+            </a:p>
+          </p:txBody>
+        </p:sp>
+        <p:sp>
+          <p:nvSpPr>
+            <p:cNvPr id="12" name="Rectangle 11"/>
+            <p:cNvSpPr/>
+            <p:nvPr/>
+          </p:nvSpPr>
+          <p:spPr>
+            <a:xfrm>
+              <a:off x="1596325" y="3409627"/>
+              <a:ext cx="1255363" cy="1255363"/>
+            </a:xfrm>
+            <a:prstGeom prst="rect">
+              <a:avLst/>
+            </a:prstGeom>
+            <a:solidFill>
+              <a:schemeClr val="accent2">
+                <a:lumMod val="20000"/>
+                <a:lumOff val="80000"/>
+              </a:schemeClr>
+            </a:solidFill>
+          </p:spPr>
+          <p:style>
+            <a:lnRef idx="2">
+              <a:schemeClr val="accent3"/>
+            </a:lnRef>
+            <a:fillRef idx="1">
+              <a:schemeClr val="lt1"/>
+            </a:fillRef>
+            <a:effectRef idx="0">
+              <a:schemeClr val="accent3"/>
+            </a:effectRef>
+            <a:fontRef idx="minor">
+              <a:schemeClr val="dk1"/>
+            </a:fontRef>
+          </p:style>
+          <p:txBody>
+            <a:bodyPr rtlCol="0" anchor="ctr"/>
+            <a:lstStyle/>
+            <a:p>
+              <a:pPr algn="ctr"/>
+              <a:endParaRPr lang="en-US"/>
+            </a:p>
+          </p:txBody>
+        </p:sp>
+        <p:sp>
+          <p:nvSpPr>
+            <p:cNvPr id="13" name="Rectangle 12"/>
+            <p:cNvSpPr/>
+            <p:nvPr/>
+          </p:nvSpPr>
+          <p:spPr>
+            <a:xfrm>
+              <a:off x="2851688" y="3409627"/>
+              <a:ext cx="1255363" cy="1255363"/>
+            </a:xfrm>
+            <a:prstGeom prst="rect">
+              <a:avLst/>
+            </a:prstGeom>
+          </p:spPr>
+          <p:style>
+            <a:lnRef idx="2">
+              <a:schemeClr val="accent3"/>
+            </a:lnRef>
+            <a:fillRef idx="1">
+              <a:schemeClr val="lt1"/>
+            </a:fillRef>
+            <a:effectRef idx="0">
+              <a:schemeClr val="accent3"/>
+            </a:effectRef>
+            <a:fontRef idx="minor">
+              <a:schemeClr val="dk1"/>
+            </a:fontRef>
+          </p:style>
+          <p:txBody>
+            <a:bodyPr rtlCol="0" anchor="ctr"/>
+            <a:lstStyle/>
+            <a:p>
+              <a:pPr algn="ctr"/>
+              <a:endParaRPr lang="en-US"/>
+            </a:p>
+          </p:txBody>
+        </p:sp>
+        <p:sp>
+          <p:nvSpPr>
+            <p:cNvPr id="14" name="Rectangle 13"/>
+            <p:cNvSpPr/>
+            <p:nvPr/>
+          </p:nvSpPr>
+          <p:spPr>
+            <a:xfrm>
+              <a:off x="4107051" y="3409626"/>
+              <a:ext cx="1255363" cy="1255363"/>
+            </a:xfrm>
+            <a:prstGeom prst="rect">
+              <a:avLst/>
+            </a:prstGeom>
+          </p:spPr>
+          <p:style>
+            <a:lnRef idx="2">
+              <a:schemeClr val="accent3"/>
+            </a:lnRef>
+            <a:fillRef idx="1">
+              <a:schemeClr val="lt1"/>
+            </a:fillRef>
+            <a:effectRef idx="0">
+              <a:schemeClr val="accent3"/>
+            </a:effectRef>
+            <a:fontRef idx="minor">
+              <a:schemeClr val="dk1"/>
+            </a:fontRef>
+          </p:style>
+          <p:txBody>
+            <a:bodyPr rtlCol="0" anchor="ctr"/>
+            <a:lstStyle/>
+            <a:p>
+              <a:pPr algn="ctr"/>
+              <a:endParaRPr lang="en-US"/>
+            </a:p>
+          </p:txBody>
+        </p:sp>
+        <p:sp>
+          <p:nvSpPr>
+            <p:cNvPr id="15" name="Rectangle 14"/>
+            <p:cNvSpPr/>
+            <p:nvPr/>
+          </p:nvSpPr>
+          <p:spPr>
+            <a:xfrm>
+              <a:off x="5362414" y="3409626"/>
+              <a:ext cx="1255363" cy="1255363"/>
+            </a:xfrm>
+            <a:prstGeom prst="rect">
+              <a:avLst/>
+            </a:prstGeom>
+          </p:spPr>
+          <p:style>
+            <a:lnRef idx="2">
+              <a:schemeClr val="accent3"/>
+            </a:lnRef>
+            <a:fillRef idx="1">
+              <a:schemeClr val="lt1"/>
+            </a:fillRef>
+            <a:effectRef idx="0">
+              <a:schemeClr val="accent3"/>
+            </a:effectRef>
+            <a:fontRef idx="minor">
+              <a:schemeClr val="dk1"/>
+            </a:fontRef>
+          </p:style>
+          <p:txBody>
+            <a:bodyPr rtlCol="0" anchor="ctr"/>
+            <a:lstStyle/>
+            <a:p>
+              <a:pPr algn="ctr"/>
+              <a:endParaRPr lang="en-US"/>
+            </a:p>
+          </p:txBody>
+        </p:sp>
+        <p:sp>
+          <p:nvSpPr>
+            <p:cNvPr id="20" name="Rectangle 19"/>
+            <p:cNvSpPr/>
+            <p:nvPr/>
+          </p:nvSpPr>
+          <p:spPr>
+            <a:xfrm>
+              <a:off x="6617777" y="898900"/>
+              <a:ext cx="1255363" cy="1255363"/>
+            </a:xfrm>
+            <a:prstGeom prst="rect">
+              <a:avLst/>
+            </a:prstGeom>
+          </p:spPr>
+          <p:style>
+            <a:lnRef idx="2">
+              <a:schemeClr val="accent3"/>
+            </a:lnRef>
+            <a:fillRef idx="1">
+              <a:schemeClr val="lt1"/>
+            </a:fillRef>
+            <a:effectRef idx="0">
+              <a:schemeClr val="accent3"/>
+            </a:effectRef>
+            <a:fontRef idx="minor">
+              <a:schemeClr val="dk1"/>
+            </a:fontRef>
+          </p:style>
+          <p:txBody>
+            <a:bodyPr rtlCol="0" anchor="ctr"/>
+            <a:lstStyle/>
+            <a:p>
+              <a:pPr algn="ctr"/>
+              <a:endParaRPr lang="en-US"/>
+            </a:p>
+          </p:txBody>
+        </p:sp>
+        <p:sp>
+          <p:nvSpPr>
+            <p:cNvPr id="21" name="Rectangle 20"/>
+            <p:cNvSpPr/>
+            <p:nvPr/>
+          </p:nvSpPr>
+          <p:spPr>
+            <a:xfrm>
+              <a:off x="6617777" y="2154262"/>
+              <a:ext cx="1255363" cy="1255363"/>
+            </a:xfrm>
+            <a:prstGeom prst="rect">
+              <a:avLst/>
+            </a:prstGeom>
+          </p:spPr>
+          <p:style>
+            <a:lnRef idx="2">
+              <a:schemeClr val="accent3"/>
+            </a:lnRef>
+            <a:fillRef idx="1">
+              <a:schemeClr val="lt1"/>
+            </a:fillRef>
+            <a:effectRef idx="0">
+              <a:schemeClr val="accent3"/>
+            </a:effectRef>
+            <a:fontRef idx="minor">
+              <a:schemeClr val="dk1"/>
+            </a:fontRef>
+          </p:style>
+          <p:txBody>
+            <a:bodyPr rtlCol="0" anchor="ctr"/>
+            <a:lstStyle/>
+            <a:p>
+              <a:pPr algn="ctr"/>
+              <a:endParaRPr lang="en-US"/>
+            </a:p>
+          </p:txBody>
+        </p:sp>
+        <p:sp>
+          <p:nvSpPr>
+            <p:cNvPr id="22" name="Rectangle 21"/>
+            <p:cNvSpPr/>
+            <p:nvPr/>
+          </p:nvSpPr>
+          <p:spPr>
+            <a:xfrm>
+              <a:off x="6617777" y="3409625"/>
+              <a:ext cx="1255363" cy="1255363"/>
+            </a:xfrm>
+            <a:prstGeom prst="rect">
+              <a:avLst/>
+            </a:prstGeom>
+          </p:spPr>
+          <p:style>
+            <a:lnRef idx="2">
+              <a:schemeClr val="accent3"/>
+            </a:lnRef>
+            <a:fillRef idx="1">
+              <a:schemeClr val="lt1"/>
+            </a:fillRef>
+            <a:effectRef idx="0">
+              <a:schemeClr val="accent3"/>
+            </a:effectRef>
+            <a:fontRef idx="minor">
+              <a:schemeClr val="dk1"/>
+            </a:fontRef>
+          </p:style>
+          <p:txBody>
+            <a:bodyPr rtlCol="0" anchor="ctr"/>
+            <a:lstStyle/>
+            <a:p>
+              <a:pPr algn="ctr"/>
+              <a:endParaRPr lang="en-US"/>
+            </a:p>
+          </p:txBody>
+        </p:sp>
+        <p:pic>
+          <p:nvPicPr>
+            <p:cNvPr id="23" name="Picture 22"/>
+            <p:cNvPicPr>
+              <a:picLocks noChangeAspect="1"/>
+            </p:cNvPicPr>
+            <p:nvPr/>
+          </p:nvPicPr>
+          <p:blipFill>
+            <a:blip r:embed="rId3"/>
+            <a:stretch>
+              <a:fillRect/>
+            </a:stretch>
+          </p:blipFill>
+          <p:spPr>
+            <a:xfrm>
+              <a:off x="4150572" y="2309783"/>
+              <a:ext cx="1168321" cy="944320"/>
+            </a:xfrm>
+            <a:prstGeom prst="rect">
+              <a:avLst/>
+            </a:prstGeom>
+          </p:spPr>
+        </p:pic>
+        <p:pic>
+          <p:nvPicPr>
+            <p:cNvPr id="24" name="Picture 23"/>
+            <p:cNvPicPr>
+              <a:picLocks noChangeAspect="1"/>
+            </p:cNvPicPr>
+            <p:nvPr/>
+          </p:nvPicPr>
+          <p:blipFill>
+            <a:blip r:embed="rId3"/>
+            <a:stretch>
+              <a:fillRect/>
+            </a:stretch>
+          </p:blipFill>
+          <p:spPr>
+            <a:xfrm>
+              <a:off x="6661297" y="3565146"/>
+              <a:ext cx="1168321" cy="944320"/>
+            </a:xfrm>
+            <a:prstGeom prst="rect">
+              <a:avLst/>
+            </a:prstGeom>
+          </p:spPr>
+        </p:pic>
+        <p:pic>
+          <p:nvPicPr>
+            <p:cNvPr id="26" name="Picture 25"/>
+            <p:cNvPicPr>
+              <a:picLocks noChangeAspect="1"/>
+            </p:cNvPicPr>
+            <p:nvPr/>
+          </p:nvPicPr>
+          <p:blipFill>
+            <a:blip r:embed="rId4">
+              <a:duotone>
+                <a:schemeClr val="accent2">
+                  <a:shade val="45000"/>
+                  <a:satMod val="135000"/>
+                </a:schemeClr>
+                <a:prstClr val="white"/>
+              </a:duotone>
+            </a:blip>
+            <a:stretch>
+              <a:fillRect/>
+            </a:stretch>
+          </p:blipFill>
+          <p:spPr>
+            <a:xfrm>
+              <a:off x="5615517" y="2216957"/>
+              <a:ext cx="749155" cy="1129975"/>
+            </a:xfrm>
+            <a:prstGeom prst="rect">
+              <a:avLst/>
+            </a:prstGeom>
+            <a:noFill/>
+            <a:ln>
+              <a:noFill/>
+            </a:ln>
+          </p:spPr>
+        </p:pic>
+      </p:grpSp>
+      <p:grpSp>
+        <p:nvGrpSpPr>
+          <p:cNvPr id="47" name="Group 46"/>
+          <p:cNvGrpSpPr/>
+          <p:nvPr/>
+        </p:nvGrpSpPr>
+        <p:grpSpPr>
+          <a:xfrm>
+            <a:off x="3975730" y="574435"/>
+            <a:ext cx="2606965" cy="1608326"/>
+            <a:chOff x="1596325" y="898900"/>
+            <a:chExt cx="6276815" cy="3766090"/>
+          </a:xfrm>
+        </p:grpSpPr>
+        <p:sp>
+          <p:nvSpPr>
+            <p:cNvPr id="48" name="Rectangle 47"/>
+            <p:cNvSpPr/>
+            <p:nvPr/>
+          </p:nvSpPr>
+          <p:spPr>
+            <a:xfrm>
+              <a:off x="1596325" y="898902"/>
+              <a:ext cx="1255363" cy="1255363"/>
+            </a:xfrm>
+            <a:prstGeom prst="rect">
+              <a:avLst/>
+            </a:prstGeom>
+            <a:solidFill>
+              <a:schemeClr val="accent2"/>
+            </a:solidFill>
+          </p:spPr>
+          <p:style>
+            <a:lnRef idx="2">
+              <a:schemeClr val="accent3"/>
+            </a:lnRef>
+            <a:fillRef idx="1">
+              <a:schemeClr val="lt1"/>
+            </a:fillRef>
+            <a:effectRef idx="0">
+              <a:schemeClr val="accent3"/>
+            </a:effectRef>
+            <a:fontRef idx="minor">
+              <a:schemeClr val="dk1"/>
+            </a:fontRef>
+          </p:style>
+          <p:txBody>
+            <a:bodyPr rtlCol="0" anchor="ctr"/>
+            <a:lstStyle/>
+            <a:p>
+              <a:pPr algn="ctr"/>
+              <a:endParaRPr lang="en-US"/>
+            </a:p>
+          </p:txBody>
+        </p:sp>
+        <p:sp>
+          <p:nvSpPr>
+            <p:cNvPr id="49" name="Rectangle 48"/>
+            <p:cNvSpPr/>
+            <p:nvPr/>
+          </p:nvSpPr>
+          <p:spPr>
+            <a:xfrm>
+              <a:off x="2851688" y="898902"/>
+              <a:ext cx="1255363" cy="1255363"/>
+            </a:xfrm>
+            <a:prstGeom prst="rect">
+              <a:avLst/>
+            </a:prstGeom>
+            <a:solidFill>
+              <a:schemeClr val="accent2">
+                <a:lumMod val="40000"/>
+                <a:lumOff val="60000"/>
+              </a:schemeClr>
+            </a:solidFill>
+          </p:spPr>
+          <p:style>
+            <a:lnRef idx="2">
+              <a:schemeClr val="accent3"/>
+            </a:lnRef>
+            <a:fillRef idx="1">
+              <a:schemeClr val="lt1"/>
+            </a:fillRef>
+            <a:effectRef idx="0">
+              <a:schemeClr val="accent3"/>
+            </a:effectRef>
+            <a:fontRef idx="minor">
+              <a:schemeClr val="dk1"/>
+            </a:fontRef>
+          </p:style>
+          <p:txBody>
+            <a:bodyPr rtlCol="0" anchor="ctr"/>
+            <a:lstStyle/>
+            <a:p>
+              <a:pPr algn="ctr"/>
+              <a:endParaRPr lang="en-US"/>
+            </a:p>
+          </p:txBody>
+        </p:sp>
+        <p:sp>
+          <p:nvSpPr>
+            <p:cNvPr id="50" name="Rectangle 49"/>
+            <p:cNvSpPr/>
+            <p:nvPr/>
+          </p:nvSpPr>
+          <p:spPr>
+            <a:xfrm>
+              <a:off x="4107051" y="898901"/>
+              <a:ext cx="1255363" cy="1255363"/>
+            </a:xfrm>
+            <a:prstGeom prst="rect">
+              <a:avLst/>
+            </a:prstGeom>
+            <a:solidFill>
+              <a:schemeClr val="accent2">
+                <a:lumMod val="20000"/>
+                <a:lumOff val="80000"/>
+              </a:schemeClr>
+            </a:solidFill>
+          </p:spPr>
+          <p:style>
+            <a:lnRef idx="2">
+              <a:schemeClr val="accent3"/>
+            </a:lnRef>
+            <a:fillRef idx="1">
+              <a:schemeClr val="lt1"/>
+            </a:fillRef>
+            <a:effectRef idx="0">
+              <a:schemeClr val="accent3"/>
+            </a:effectRef>
+            <a:fontRef idx="minor">
+              <a:schemeClr val="dk1"/>
+            </a:fontRef>
+          </p:style>
+          <p:txBody>
+            <a:bodyPr rtlCol="0" anchor="ctr"/>
+            <a:lstStyle/>
+            <a:p>
+              <a:pPr algn="ctr"/>
+              <a:endParaRPr lang="en-US"/>
+            </a:p>
+          </p:txBody>
+        </p:sp>
+        <p:sp>
+          <p:nvSpPr>
+            <p:cNvPr id="51" name="Rectangle 50"/>
+            <p:cNvSpPr/>
+            <p:nvPr/>
+          </p:nvSpPr>
+          <p:spPr>
+            <a:xfrm>
+              <a:off x="5362414" y="898901"/>
+              <a:ext cx="1255363" cy="1255363"/>
+            </a:xfrm>
+            <a:prstGeom prst="rect">
+              <a:avLst/>
+            </a:prstGeom>
+          </p:spPr>
+          <p:style>
+            <a:lnRef idx="2">
+              <a:schemeClr val="accent3"/>
+            </a:lnRef>
+            <a:fillRef idx="1">
+              <a:schemeClr val="lt1"/>
+            </a:fillRef>
+            <a:effectRef idx="0">
+              <a:schemeClr val="accent3"/>
+            </a:effectRef>
+            <a:fontRef idx="minor">
+              <a:schemeClr val="dk1"/>
+            </a:fontRef>
+          </p:style>
+          <p:txBody>
+            <a:bodyPr rtlCol="0" anchor="ctr"/>
+            <a:lstStyle/>
+            <a:p>
+              <a:pPr algn="ctr"/>
+              <a:endParaRPr lang="en-US"/>
+            </a:p>
+          </p:txBody>
+        </p:sp>
+        <p:sp>
+          <p:nvSpPr>
+            <p:cNvPr id="52" name="Rectangle 51"/>
+            <p:cNvSpPr/>
+            <p:nvPr/>
+          </p:nvSpPr>
+          <p:spPr>
+            <a:xfrm>
+              <a:off x="1596325" y="2154264"/>
+              <a:ext cx="1255363" cy="1255363"/>
+            </a:xfrm>
+            <a:prstGeom prst="rect">
+              <a:avLst/>
+            </a:prstGeom>
+            <a:solidFill>
+              <a:schemeClr val="accent2">
+                <a:lumMod val="40000"/>
+                <a:lumOff val="60000"/>
+              </a:schemeClr>
+            </a:solidFill>
+          </p:spPr>
+          <p:style>
+            <a:lnRef idx="2">
+              <a:schemeClr val="accent3"/>
+            </a:lnRef>
+            <a:fillRef idx="1">
+              <a:schemeClr val="lt1"/>
+            </a:fillRef>
+            <a:effectRef idx="0">
+              <a:schemeClr val="accent3"/>
+            </a:effectRef>
+            <a:fontRef idx="minor">
+              <a:schemeClr val="dk1"/>
+            </a:fontRef>
+          </p:style>
+          <p:txBody>
+            <a:bodyPr rtlCol="0" anchor="ctr"/>
+            <a:lstStyle/>
+            <a:p>
+              <a:pPr algn="ctr"/>
+              <a:endParaRPr lang="en-US"/>
+            </a:p>
+          </p:txBody>
+        </p:sp>
+        <p:sp>
+          <p:nvSpPr>
+            <p:cNvPr id="53" name="Rectangle 52"/>
+            <p:cNvSpPr/>
+            <p:nvPr/>
+          </p:nvSpPr>
+          <p:spPr>
+            <a:xfrm>
+              <a:off x="2851688" y="2154264"/>
+              <a:ext cx="1255363" cy="1255363"/>
+            </a:xfrm>
+            <a:prstGeom prst="rect">
+              <a:avLst/>
+            </a:prstGeom>
+            <a:solidFill>
+              <a:schemeClr val="accent2">
+                <a:lumMod val="40000"/>
+                <a:lumOff val="60000"/>
+              </a:schemeClr>
+            </a:solidFill>
+          </p:spPr>
+          <p:style>
+            <a:lnRef idx="2">
+              <a:schemeClr val="accent3"/>
+            </a:lnRef>
+            <a:fillRef idx="1">
+              <a:schemeClr val="lt1"/>
+            </a:fillRef>
+            <a:effectRef idx="0">
+              <a:schemeClr val="accent3"/>
+            </a:effectRef>
+            <a:fontRef idx="minor">
+              <a:schemeClr val="dk1"/>
+            </a:fontRef>
+          </p:style>
+          <p:txBody>
+            <a:bodyPr rtlCol="0" anchor="ctr"/>
+            <a:lstStyle/>
+            <a:p>
+              <a:pPr algn="ctr"/>
+              <a:endParaRPr lang="en-US"/>
+            </a:p>
+          </p:txBody>
+        </p:sp>
+        <p:sp>
+          <p:nvSpPr>
+            <p:cNvPr id="54" name="Rectangle 53"/>
+            <p:cNvSpPr/>
+            <p:nvPr/>
+          </p:nvSpPr>
+          <p:spPr>
+            <a:xfrm>
+              <a:off x="4107051" y="2154263"/>
+              <a:ext cx="1255363" cy="1255363"/>
+            </a:xfrm>
+            <a:prstGeom prst="rect">
+              <a:avLst/>
+            </a:prstGeom>
+          </p:spPr>
+          <p:style>
+            <a:lnRef idx="2">
+              <a:schemeClr val="accent3"/>
+            </a:lnRef>
+            <a:fillRef idx="1">
+              <a:schemeClr val="lt1"/>
+            </a:fillRef>
+            <a:effectRef idx="0">
+              <a:schemeClr val="accent3"/>
+            </a:effectRef>
+            <a:fontRef idx="minor">
+              <a:schemeClr val="dk1"/>
+            </a:fontRef>
+          </p:style>
+          <p:txBody>
+            <a:bodyPr rtlCol="0" anchor="ctr"/>
+            <a:lstStyle/>
+            <a:p>
+              <a:pPr algn="ctr"/>
+              <a:endParaRPr lang="en-US"/>
+            </a:p>
+          </p:txBody>
+        </p:sp>
+        <p:sp>
+          <p:nvSpPr>
+            <p:cNvPr id="55" name="Rectangle 54"/>
+            <p:cNvSpPr/>
+            <p:nvPr/>
+          </p:nvSpPr>
+          <p:spPr>
+            <a:xfrm>
+              <a:off x="5362414" y="2154263"/>
+              <a:ext cx="1255363" cy="1255363"/>
+            </a:xfrm>
+            <a:prstGeom prst="rect">
+              <a:avLst/>
+            </a:prstGeom>
+          </p:spPr>
+          <p:style>
+            <a:lnRef idx="2">
+              <a:schemeClr val="accent3"/>
+            </a:lnRef>
+            <a:fillRef idx="1">
+              <a:schemeClr val="lt1"/>
+            </a:fillRef>
+            <a:effectRef idx="0">
+              <a:schemeClr val="accent3"/>
+            </a:effectRef>
+            <a:fontRef idx="minor">
+              <a:schemeClr val="dk1"/>
+            </a:fontRef>
+          </p:style>
+          <p:txBody>
+            <a:bodyPr rtlCol="0" anchor="ctr"/>
+            <a:lstStyle/>
+            <a:p>
+              <a:pPr algn="ctr"/>
+              <a:endParaRPr lang="en-US"/>
+            </a:p>
+          </p:txBody>
+        </p:sp>
+        <p:sp>
+          <p:nvSpPr>
+            <p:cNvPr id="56" name="Rectangle 55"/>
+            <p:cNvSpPr/>
+            <p:nvPr/>
+          </p:nvSpPr>
+          <p:spPr>
+            <a:xfrm>
+              <a:off x="1596325" y="3409627"/>
+              <a:ext cx="1255363" cy="1255363"/>
+            </a:xfrm>
+            <a:prstGeom prst="rect">
+              <a:avLst/>
+            </a:prstGeom>
+            <a:solidFill>
+              <a:schemeClr val="accent2">
+                <a:lumMod val="20000"/>
+                <a:lumOff val="80000"/>
+              </a:schemeClr>
+            </a:solidFill>
+          </p:spPr>
+          <p:style>
+            <a:lnRef idx="2">
+              <a:schemeClr val="accent3"/>
+            </a:lnRef>
+            <a:fillRef idx="1">
+              <a:schemeClr val="lt1"/>
+            </a:fillRef>
+            <a:effectRef idx="0">
+              <a:schemeClr val="accent3"/>
+            </a:effectRef>
+            <a:fontRef idx="minor">
+              <a:schemeClr val="dk1"/>
+            </a:fontRef>
+          </p:style>
+          <p:txBody>
+            <a:bodyPr rtlCol="0" anchor="ctr"/>
+            <a:lstStyle/>
+            <a:p>
+              <a:pPr algn="ctr"/>
+              <a:endParaRPr lang="en-US"/>
+            </a:p>
+          </p:txBody>
+        </p:sp>
+        <p:sp>
+          <p:nvSpPr>
+            <p:cNvPr id="57" name="Rectangle 56"/>
+            <p:cNvSpPr/>
+            <p:nvPr/>
+          </p:nvSpPr>
+          <p:spPr>
+            <a:xfrm>
+              <a:off x="2851688" y="3409627"/>
+              <a:ext cx="1255363" cy="1255363"/>
+            </a:xfrm>
+            <a:prstGeom prst="rect">
+              <a:avLst/>
+            </a:prstGeom>
+          </p:spPr>
+          <p:style>
+            <a:lnRef idx="2">
+              <a:schemeClr val="accent3"/>
+            </a:lnRef>
+            <a:fillRef idx="1">
+              <a:schemeClr val="lt1"/>
+            </a:fillRef>
+            <a:effectRef idx="0">
+              <a:schemeClr val="accent3"/>
+            </a:effectRef>
+            <a:fontRef idx="minor">
+              <a:schemeClr val="dk1"/>
+            </a:fontRef>
+          </p:style>
+          <p:txBody>
+            <a:bodyPr rtlCol="0" anchor="ctr"/>
+            <a:lstStyle/>
+            <a:p>
+              <a:pPr algn="ctr"/>
+              <a:endParaRPr lang="en-US"/>
+            </a:p>
+          </p:txBody>
+        </p:sp>
+        <p:sp>
+          <p:nvSpPr>
+            <p:cNvPr id="58" name="Rectangle 57"/>
+            <p:cNvSpPr/>
+            <p:nvPr/>
+          </p:nvSpPr>
+          <p:spPr>
+            <a:xfrm>
+              <a:off x="4107051" y="3409626"/>
+              <a:ext cx="1255363" cy="1255363"/>
+            </a:xfrm>
+            <a:prstGeom prst="rect">
+              <a:avLst/>
+            </a:prstGeom>
+          </p:spPr>
+          <p:style>
+            <a:lnRef idx="2">
+              <a:schemeClr val="accent3"/>
+            </a:lnRef>
+            <a:fillRef idx="1">
+              <a:schemeClr val="lt1"/>
+            </a:fillRef>
+            <a:effectRef idx="0">
+              <a:schemeClr val="accent3"/>
+            </a:effectRef>
+            <a:fontRef idx="minor">
+              <a:schemeClr val="dk1"/>
+            </a:fontRef>
+          </p:style>
+          <p:txBody>
+            <a:bodyPr rtlCol="0" anchor="ctr"/>
+            <a:lstStyle/>
+            <a:p>
+              <a:pPr algn="ctr"/>
+              <a:endParaRPr lang="en-US"/>
+            </a:p>
+          </p:txBody>
+        </p:sp>
+        <p:sp>
+          <p:nvSpPr>
+            <p:cNvPr id="59" name="Rectangle 58"/>
+            <p:cNvSpPr/>
+            <p:nvPr/>
+          </p:nvSpPr>
+          <p:spPr>
+            <a:xfrm>
+              <a:off x="5362414" y="3409626"/>
+              <a:ext cx="1255363" cy="1255363"/>
+            </a:xfrm>
+            <a:prstGeom prst="rect">
+              <a:avLst/>
+            </a:prstGeom>
+          </p:spPr>
+          <p:style>
+            <a:lnRef idx="2">
+              <a:schemeClr val="accent3"/>
+            </a:lnRef>
+            <a:fillRef idx="1">
+              <a:schemeClr val="lt1"/>
+            </a:fillRef>
+            <a:effectRef idx="0">
+              <a:schemeClr val="accent3"/>
+            </a:effectRef>
+            <a:fontRef idx="minor">
+              <a:schemeClr val="dk1"/>
+            </a:fontRef>
+          </p:style>
+          <p:txBody>
+            <a:bodyPr rtlCol="0" anchor="ctr"/>
+            <a:lstStyle/>
+            <a:p>
+              <a:pPr algn="ctr"/>
+              <a:endParaRPr lang="en-US"/>
+            </a:p>
+          </p:txBody>
+        </p:sp>
+        <p:sp>
+          <p:nvSpPr>
+            <p:cNvPr id="60" name="Rectangle 59"/>
+            <p:cNvSpPr/>
+            <p:nvPr/>
+          </p:nvSpPr>
+          <p:spPr>
+            <a:xfrm>
+              <a:off x="6617777" y="898900"/>
+              <a:ext cx="1255363" cy="1255363"/>
+            </a:xfrm>
+            <a:prstGeom prst="rect">
+              <a:avLst/>
+            </a:prstGeom>
+          </p:spPr>
+          <p:style>
+            <a:lnRef idx="2">
+              <a:schemeClr val="accent3"/>
+            </a:lnRef>
+            <a:fillRef idx="1">
+              <a:schemeClr val="lt1"/>
+            </a:fillRef>
+            <a:effectRef idx="0">
+              <a:schemeClr val="accent3"/>
+            </a:effectRef>
+            <a:fontRef idx="minor">
+              <a:schemeClr val="dk1"/>
+            </a:fontRef>
+          </p:style>
+          <p:txBody>
+            <a:bodyPr rtlCol="0" anchor="ctr"/>
+            <a:lstStyle/>
+            <a:p>
+              <a:pPr algn="ctr"/>
+              <a:endParaRPr lang="en-US"/>
+            </a:p>
+          </p:txBody>
+        </p:sp>
+        <p:sp>
+          <p:nvSpPr>
+            <p:cNvPr id="61" name="Rectangle 60"/>
+            <p:cNvSpPr/>
+            <p:nvPr/>
+          </p:nvSpPr>
+          <p:spPr>
+            <a:xfrm>
+              <a:off x="6617777" y="2154262"/>
+              <a:ext cx="1255363" cy="1255363"/>
+            </a:xfrm>
+            <a:prstGeom prst="rect">
+              <a:avLst/>
+            </a:prstGeom>
+          </p:spPr>
+          <p:style>
+            <a:lnRef idx="2">
+              <a:schemeClr val="accent3"/>
+            </a:lnRef>
+            <a:fillRef idx="1">
+              <a:schemeClr val="lt1"/>
+            </a:fillRef>
+            <a:effectRef idx="0">
+              <a:schemeClr val="accent3"/>
+            </a:effectRef>
+            <a:fontRef idx="minor">
+              <a:schemeClr val="dk1"/>
+            </a:fontRef>
+          </p:style>
+          <p:txBody>
+            <a:bodyPr rtlCol="0" anchor="ctr"/>
+            <a:lstStyle/>
+            <a:p>
+              <a:pPr algn="ctr"/>
+              <a:endParaRPr lang="en-US"/>
+            </a:p>
+          </p:txBody>
+        </p:sp>
+        <p:sp>
+          <p:nvSpPr>
+            <p:cNvPr id="62" name="Rectangle 61"/>
+            <p:cNvSpPr/>
+            <p:nvPr/>
+          </p:nvSpPr>
+          <p:spPr>
+            <a:xfrm>
+              <a:off x="6617777" y="3409625"/>
+              <a:ext cx="1255363" cy="1255363"/>
+            </a:xfrm>
+            <a:prstGeom prst="rect">
+              <a:avLst/>
+            </a:prstGeom>
+          </p:spPr>
+          <p:style>
+            <a:lnRef idx="2">
+              <a:schemeClr val="accent3"/>
+            </a:lnRef>
+            <a:fillRef idx="1">
+              <a:schemeClr val="lt1"/>
+            </a:fillRef>
+            <a:effectRef idx="0">
+              <a:schemeClr val="accent3"/>
+            </a:effectRef>
+            <a:fontRef idx="minor">
+              <a:schemeClr val="dk1"/>
+            </a:fontRef>
+          </p:style>
+          <p:txBody>
+            <a:bodyPr rtlCol="0" anchor="ctr"/>
+            <a:lstStyle/>
+            <a:p>
+              <a:pPr algn="ctr"/>
+              <a:endParaRPr lang="en-US"/>
+            </a:p>
+          </p:txBody>
+        </p:sp>
+        <p:pic>
+          <p:nvPicPr>
+            <p:cNvPr id="63" name="Picture 62"/>
+            <p:cNvPicPr>
+              <a:picLocks noChangeAspect="1"/>
+            </p:cNvPicPr>
+            <p:nvPr/>
+          </p:nvPicPr>
+          <p:blipFill>
+            <a:blip r:embed="rId3"/>
+            <a:stretch>
+              <a:fillRect/>
+            </a:stretch>
+          </p:blipFill>
+          <p:spPr>
+            <a:xfrm>
+              <a:off x="4150572" y="2309783"/>
+              <a:ext cx="1168321" cy="944320"/>
+            </a:xfrm>
+            <a:prstGeom prst="rect">
+              <a:avLst/>
+            </a:prstGeom>
+          </p:spPr>
+        </p:pic>
+        <p:pic>
+          <p:nvPicPr>
+            <p:cNvPr id="64" name="Picture 63"/>
+            <p:cNvPicPr>
+              <a:picLocks noChangeAspect="1"/>
+            </p:cNvPicPr>
+            <p:nvPr/>
+          </p:nvPicPr>
+          <p:blipFill>
+            <a:blip r:embed="rId3"/>
+            <a:stretch>
+              <a:fillRect/>
+            </a:stretch>
+          </p:blipFill>
+          <p:spPr>
+            <a:xfrm>
+              <a:off x="6661297" y="3565146"/>
+              <a:ext cx="1168321" cy="944320"/>
+            </a:xfrm>
+            <a:prstGeom prst="rect">
+              <a:avLst/>
+            </a:prstGeom>
+          </p:spPr>
+        </p:pic>
+        <p:pic>
+          <p:nvPicPr>
+            <p:cNvPr id="65" name="Picture 64"/>
+            <p:cNvPicPr>
+              <a:picLocks noChangeAspect="1"/>
+            </p:cNvPicPr>
+            <p:nvPr/>
+          </p:nvPicPr>
+          <p:blipFill>
+            <a:blip r:embed="rId4">
+              <a:duotone>
+                <a:schemeClr val="accent2">
+                  <a:shade val="45000"/>
+                  <a:satMod val="135000"/>
+                </a:schemeClr>
+                <a:prstClr val="white"/>
+              </a:duotone>
+            </a:blip>
+            <a:stretch>
+              <a:fillRect/>
+            </a:stretch>
+          </p:blipFill>
+          <p:spPr>
+            <a:xfrm>
+              <a:off x="5615517" y="2216957"/>
+              <a:ext cx="749155" cy="1129975"/>
+            </a:xfrm>
+            <a:prstGeom prst="rect">
+              <a:avLst/>
+            </a:prstGeom>
+            <a:noFill/>
+            <a:ln>
+              <a:noFill/>
+            </a:ln>
+          </p:spPr>
+        </p:pic>
+      </p:grpSp>
+      <p:cxnSp>
+        <p:nvCxnSpPr>
+          <p:cNvPr id="66" name="Straight Connector 65"/>
+          <p:cNvCxnSpPr/>
+          <p:nvPr/>
+        </p:nvCxnSpPr>
+        <p:spPr>
+          <a:xfrm>
+            <a:off x="5836153" y="1371016"/>
+            <a:ext cx="555422" cy="564142"/>
+          </a:xfrm>
+          <a:prstGeom prst="line">
+            <a:avLst/>
+          </a:prstGeom>
+          <a:ln w="38100">
+            <a:solidFill>
+              <a:schemeClr val="accent2"/>
+            </a:solidFill>
+            <a:prstDash val="sysDash"/>
+          </a:ln>
+        </p:spPr>
+        <p:style>
+          <a:lnRef idx="1">
+            <a:schemeClr val="accent1"/>
+          </a:lnRef>
+          <a:fillRef idx="0">
+            <a:schemeClr val="accent1"/>
+          </a:fillRef>
+          <a:effectRef idx="0">
+            <a:schemeClr val="accent1"/>
+          </a:effectRef>
+          <a:fontRef idx="minor">
+            <a:schemeClr val="tx1"/>
+          </a:fontRef>
+        </p:style>
+      </p:cxnSp>
+      <p:sp>
+        <p:nvSpPr>
+          <p:cNvPr id="67" name="Right Arrow 66"/>
+          <p:cNvSpPr/>
+          <p:nvPr/>
+        </p:nvSpPr>
+        <p:spPr>
+          <a:xfrm>
+            <a:off x="3425970" y="1216939"/>
+            <a:ext cx="384313" cy="369404"/>
+          </a:xfrm>
+          <a:prstGeom prst="rightArrow">
+            <a:avLst/>
+          </a:prstGeom>
+        </p:spPr>
+        <p:style>
+          <a:lnRef idx="2">
+            <a:schemeClr val="accent3">
+              <a:shade val="50000"/>
+            </a:schemeClr>
+          </a:lnRef>
+          <a:fillRef idx="1">
+            <a:schemeClr val="accent3"/>
+          </a:fillRef>
+          <a:effectRef idx="0">
+            <a:schemeClr val="accent3"/>
+          </a:effectRef>
+          <a:fontRef idx="minor">
+            <a:schemeClr val="lt1"/>
+          </a:fontRef>
+        </p:style>
+        <p:txBody>
+          <a:bodyPr rtlCol="0" anchor="ctr"/>
+          <a:lstStyle/>
+          <a:p>
+            <a:pPr algn="ctr"/>
+            <a:endParaRPr lang="en-US"/>
+          </a:p>
+        </p:txBody>
+      </p:sp>
+      <p:grpSp>
+        <p:nvGrpSpPr>
+          <p:cNvPr id="87" name="Group 86"/>
+          <p:cNvGrpSpPr/>
+          <p:nvPr/>
+        </p:nvGrpSpPr>
+        <p:grpSpPr>
+          <a:xfrm>
+            <a:off x="7207324" y="574435"/>
+            <a:ext cx="2725148" cy="1608326"/>
+            <a:chOff x="1596325" y="898900"/>
+            <a:chExt cx="6276815" cy="3766090"/>
+          </a:xfrm>
+        </p:grpSpPr>
+        <p:sp>
+          <p:nvSpPr>
+            <p:cNvPr id="88" name="Rectangle 87"/>
+            <p:cNvSpPr/>
+            <p:nvPr/>
+          </p:nvSpPr>
+          <p:spPr>
+            <a:xfrm>
+              <a:off x="1596325" y="898902"/>
+              <a:ext cx="1255363" cy="1255363"/>
+            </a:xfrm>
+            <a:prstGeom prst="rect">
+              <a:avLst/>
+            </a:prstGeom>
+          </p:spPr>
+          <p:style>
+            <a:lnRef idx="2">
+              <a:schemeClr val="accent3"/>
+            </a:lnRef>
+            <a:fillRef idx="1">
+              <a:schemeClr val="lt1"/>
+            </a:fillRef>
+            <a:effectRef idx="0">
+              <a:schemeClr val="accent3"/>
+            </a:effectRef>
+            <a:fontRef idx="minor">
+              <a:schemeClr val="dk1"/>
+            </a:fontRef>
+          </p:style>
+          <p:txBody>
+            <a:bodyPr rtlCol="0" anchor="ctr"/>
+            <a:lstStyle/>
+            <a:p>
+              <a:pPr algn="ctr"/>
+              <a:endParaRPr lang="en-US"/>
+            </a:p>
+          </p:txBody>
+        </p:sp>
+        <p:sp>
+          <p:nvSpPr>
+            <p:cNvPr id="89" name="Rectangle 88"/>
+            <p:cNvSpPr/>
+            <p:nvPr/>
+          </p:nvSpPr>
+          <p:spPr>
+            <a:xfrm>
+              <a:off x="2851688" y="898902"/>
+              <a:ext cx="1255363" cy="1255363"/>
+            </a:xfrm>
+            <a:prstGeom prst="rect">
+              <a:avLst/>
+            </a:prstGeom>
+          </p:spPr>
+          <p:style>
+            <a:lnRef idx="2">
+              <a:schemeClr val="accent3"/>
+            </a:lnRef>
+            <a:fillRef idx="1">
+              <a:schemeClr val="lt1"/>
+            </a:fillRef>
+            <a:effectRef idx="0">
+              <a:schemeClr val="accent3"/>
+            </a:effectRef>
+            <a:fontRef idx="minor">
+              <a:schemeClr val="dk1"/>
+            </a:fontRef>
+          </p:style>
+          <p:txBody>
+            <a:bodyPr rtlCol="0" anchor="ctr"/>
+            <a:lstStyle/>
+            <a:p>
+              <a:pPr algn="ctr"/>
+              <a:endParaRPr lang="en-US"/>
+            </a:p>
+          </p:txBody>
+        </p:sp>
+        <p:sp>
+          <p:nvSpPr>
+            <p:cNvPr id="90" name="Rectangle 89"/>
+            <p:cNvSpPr/>
+            <p:nvPr/>
+          </p:nvSpPr>
+          <p:spPr>
+            <a:xfrm>
+              <a:off x="4107051" y="898901"/>
+              <a:ext cx="1255363" cy="1255363"/>
+            </a:xfrm>
+            <a:prstGeom prst="rect">
+              <a:avLst/>
+            </a:prstGeom>
+          </p:spPr>
+          <p:style>
+            <a:lnRef idx="2">
+              <a:schemeClr val="accent3"/>
+            </a:lnRef>
+            <a:fillRef idx="1">
+              <a:schemeClr val="lt1"/>
+            </a:fillRef>
+            <a:effectRef idx="0">
+              <a:schemeClr val="accent3"/>
+            </a:effectRef>
+            <a:fontRef idx="minor">
+              <a:schemeClr val="dk1"/>
+            </a:fontRef>
+          </p:style>
+          <p:txBody>
+            <a:bodyPr rtlCol="0" anchor="ctr"/>
+            <a:lstStyle/>
+            <a:p>
+              <a:pPr algn="ctr"/>
+              <a:endParaRPr lang="en-US"/>
+            </a:p>
+          </p:txBody>
+        </p:sp>
+        <p:sp>
+          <p:nvSpPr>
+            <p:cNvPr id="91" name="Rectangle 90"/>
+            <p:cNvSpPr/>
+            <p:nvPr/>
+          </p:nvSpPr>
+          <p:spPr>
+            <a:xfrm>
+              <a:off x="5362414" y="898901"/>
+              <a:ext cx="1255363" cy="1255363"/>
+            </a:xfrm>
+            <a:prstGeom prst="rect">
+              <a:avLst/>
+            </a:prstGeom>
+          </p:spPr>
+          <p:style>
+            <a:lnRef idx="2">
+              <a:schemeClr val="accent3"/>
+            </a:lnRef>
+            <a:fillRef idx="1">
+              <a:schemeClr val="lt1"/>
+            </a:fillRef>
+            <a:effectRef idx="0">
+              <a:schemeClr val="accent3"/>
+            </a:effectRef>
+            <a:fontRef idx="minor">
+              <a:schemeClr val="dk1"/>
+            </a:fontRef>
+          </p:style>
+          <p:txBody>
+            <a:bodyPr rtlCol="0" anchor="ctr"/>
+            <a:lstStyle/>
+            <a:p>
+              <a:pPr algn="ctr"/>
+              <a:endParaRPr lang="en-US"/>
+            </a:p>
+          </p:txBody>
+        </p:sp>
+        <p:sp>
+          <p:nvSpPr>
+            <p:cNvPr id="92" name="Rectangle 91"/>
+            <p:cNvSpPr/>
+            <p:nvPr/>
+          </p:nvSpPr>
+          <p:spPr>
+            <a:xfrm>
+              <a:off x="1596325" y="2154264"/>
+              <a:ext cx="1255363" cy="1255363"/>
+            </a:xfrm>
+            <a:prstGeom prst="rect">
+              <a:avLst/>
+            </a:prstGeom>
+          </p:spPr>
+          <p:style>
+            <a:lnRef idx="2">
+              <a:schemeClr val="accent3"/>
+            </a:lnRef>
+            <a:fillRef idx="1">
+              <a:schemeClr val="lt1"/>
+            </a:fillRef>
+            <a:effectRef idx="0">
+              <a:schemeClr val="accent3"/>
+            </a:effectRef>
+            <a:fontRef idx="minor">
+              <a:schemeClr val="dk1"/>
+            </a:fontRef>
+          </p:style>
+          <p:txBody>
+            <a:bodyPr rtlCol="0" anchor="ctr"/>
+            <a:lstStyle/>
+            <a:p>
+              <a:pPr algn="ctr"/>
+              <a:endParaRPr lang="en-US"/>
+            </a:p>
+          </p:txBody>
+        </p:sp>
+        <p:sp>
+          <p:nvSpPr>
+            <p:cNvPr id="93" name="Rectangle 92"/>
+            <p:cNvSpPr/>
+            <p:nvPr/>
+          </p:nvSpPr>
+          <p:spPr>
+            <a:xfrm>
+              <a:off x="2851688" y="2154264"/>
+              <a:ext cx="1255363" cy="1255363"/>
+            </a:xfrm>
+            <a:prstGeom prst="rect">
+              <a:avLst/>
+            </a:prstGeom>
+          </p:spPr>
+          <p:style>
+            <a:lnRef idx="2">
+              <a:schemeClr val="accent3"/>
+            </a:lnRef>
+            <a:fillRef idx="1">
+              <a:schemeClr val="lt1"/>
+            </a:fillRef>
+            <a:effectRef idx="0">
+              <a:schemeClr val="accent3"/>
+            </a:effectRef>
+            <a:fontRef idx="minor">
+              <a:schemeClr val="dk1"/>
+            </a:fontRef>
+          </p:style>
+          <p:txBody>
+            <a:bodyPr rtlCol="0" anchor="ctr"/>
+            <a:lstStyle/>
+            <a:p>
+              <a:pPr algn="ctr"/>
+              <a:endParaRPr lang="en-US"/>
+            </a:p>
+          </p:txBody>
+        </p:sp>
+        <p:sp>
+          <p:nvSpPr>
+            <p:cNvPr id="94" name="Rectangle 93"/>
+            <p:cNvSpPr/>
+            <p:nvPr/>
+          </p:nvSpPr>
+          <p:spPr>
+            <a:xfrm>
+              <a:off x="4107051" y="2154263"/>
+              <a:ext cx="1255363" cy="1255363"/>
+            </a:xfrm>
+            <a:prstGeom prst="rect">
+              <a:avLst/>
+            </a:prstGeom>
+          </p:spPr>
+          <p:style>
+            <a:lnRef idx="2">
+              <a:schemeClr val="accent3"/>
+            </a:lnRef>
+            <a:fillRef idx="1">
+              <a:schemeClr val="lt1"/>
+            </a:fillRef>
+            <a:effectRef idx="0">
+              <a:schemeClr val="accent3"/>
+            </a:effectRef>
+            <a:fontRef idx="minor">
+              <a:schemeClr val="dk1"/>
+            </a:fontRef>
+          </p:style>
+          <p:txBody>
+            <a:bodyPr rtlCol="0" anchor="ctr"/>
+            <a:lstStyle/>
+            <a:p>
+              <a:pPr algn="ctr"/>
+              <a:endParaRPr lang="en-US"/>
+            </a:p>
+          </p:txBody>
+        </p:sp>
+        <p:sp>
+          <p:nvSpPr>
+            <p:cNvPr id="95" name="Rectangle 94"/>
+            <p:cNvSpPr/>
+            <p:nvPr/>
+          </p:nvSpPr>
+          <p:spPr>
+            <a:xfrm>
+              <a:off x="5362414" y="2154263"/>
+              <a:ext cx="1255363" cy="1255363"/>
+            </a:xfrm>
+            <a:prstGeom prst="rect">
+              <a:avLst/>
+            </a:prstGeom>
+          </p:spPr>
+          <p:style>
+            <a:lnRef idx="2">
+              <a:schemeClr val="accent3"/>
+            </a:lnRef>
+            <a:fillRef idx="1">
+              <a:schemeClr val="lt1"/>
+            </a:fillRef>
+            <a:effectRef idx="0">
+              <a:schemeClr val="accent3"/>
+            </a:effectRef>
+            <a:fontRef idx="minor">
+              <a:schemeClr val="dk1"/>
+            </a:fontRef>
+          </p:style>
+          <p:txBody>
+            <a:bodyPr rtlCol="0" anchor="ctr"/>
+            <a:lstStyle/>
+            <a:p>
+              <a:pPr algn="ctr"/>
+              <a:endParaRPr lang="en-US"/>
+            </a:p>
+          </p:txBody>
+        </p:sp>
+        <p:sp>
+          <p:nvSpPr>
+            <p:cNvPr id="96" name="Rectangle 95"/>
+            <p:cNvSpPr/>
+            <p:nvPr/>
+          </p:nvSpPr>
+          <p:spPr>
+            <a:xfrm>
+              <a:off x="1596325" y="3409627"/>
+              <a:ext cx="1255363" cy="1255363"/>
+            </a:xfrm>
+            <a:prstGeom prst="rect">
+              <a:avLst/>
+            </a:prstGeom>
+          </p:spPr>
+          <p:style>
+            <a:lnRef idx="2">
+              <a:schemeClr val="accent3"/>
+            </a:lnRef>
+            <a:fillRef idx="1">
+              <a:schemeClr val="lt1"/>
+            </a:fillRef>
+            <a:effectRef idx="0">
+              <a:schemeClr val="accent3"/>
+            </a:effectRef>
+            <a:fontRef idx="minor">
+              <a:schemeClr val="dk1"/>
+            </a:fontRef>
+          </p:style>
+          <p:txBody>
+            <a:bodyPr rtlCol="0" anchor="ctr"/>
+            <a:lstStyle/>
+            <a:p>
+              <a:pPr algn="ctr"/>
+              <a:endParaRPr lang="en-US"/>
+            </a:p>
+          </p:txBody>
+        </p:sp>
+        <p:sp>
+          <p:nvSpPr>
+            <p:cNvPr id="97" name="Rectangle 96"/>
+            <p:cNvSpPr/>
+            <p:nvPr/>
+          </p:nvSpPr>
+          <p:spPr>
+            <a:xfrm>
+              <a:off x="2851688" y="3409627"/>
+              <a:ext cx="1255363" cy="1255363"/>
+            </a:xfrm>
+            <a:prstGeom prst="rect">
+              <a:avLst/>
+            </a:prstGeom>
+          </p:spPr>
+          <p:style>
+            <a:lnRef idx="2">
+              <a:schemeClr val="accent3"/>
+            </a:lnRef>
+            <a:fillRef idx="1">
+              <a:schemeClr val="lt1"/>
+            </a:fillRef>
+            <a:effectRef idx="0">
+              <a:schemeClr val="accent3"/>
+            </a:effectRef>
+            <a:fontRef idx="minor">
+              <a:schemeClr val="dk1"/>
+            </a:fontRef>
+          </p:style>
+          <p:txBody>
+            <a:bodyPr rtlCol="0" anchor="ctr"/>
+            <a:lstStyle/>
+            <a:p>
+              <a:pPr algn="ctr"/>
+              <a:endParaRPr lang="en-US"/>
+            </a:p>
+          </p:txBody>
+        </p:sp>
+        <p:sp>
+          <p:nvSpPr>
+            <p:cNvPr id="98" name="Rectangle 97"/>
+            <p:cNvSpPr/>
+            <p:nvPr/>
+          </p:nvSpPr>
+          <p:spPr>
+            <a:xfrm>
+              <a:off x="4107051" y="3409626"/>
+              <a:ext cx="1255363" cy="1255363"/>
+            </a:xfrm>
+            <a:prstGeom prst="rect">
+              <a:avLst/>
+            </a:prstGeom>
+          </p:spPr>
+          <p:style>
+            <a:lnRef idx="2">
+              <a:schemeClr val="accent3"/>
+            </a:lnRef>
+            <a:fillRef idx="1">
+              <a:schemeClr val="lt1"/>
+            </a:fillRef>
+            <a:effectRef idx="0">
+              <a:schemeClr val="accent3"/>
+            </a:effectRef>
+            <a:fontRef idx="minor">
+              <a:schemeClr val="dk1"/>
+            </a:fontRef>
+          </p:style>
+          <p:txBody>
+            <a:bodyPr rtlCol="0" anchor="ctr"/>
+            <a:lstStyle/>
+            <a:p>
+              <a:pPr algn="ctr"/>
+              <a:endParaRPr lang="en-US"/>
+            </a:p>
+          </p:txBody>
+        </p:sp>
+        <p:sp>
+          <p:nvSpPr>
+            <p:cNvPr id="99" name="Rectangle 98"/>
+            <p:cNvSpPr/>
+            <p:nvPr/>
+          </p:nvSpPr>
+          <p:spPr>
+            <a:xfrm>
+              <a:off x="5362414" y="3409626"/>
+              <a:ext cx="1255363" cy="1255363"/>
+            </a:xfrm>
+            <a:prstGeom prst="rect">
+              <a:avLst/>
+            </a:prstGeom>
+          </p:spPr>
+          <p:style>
+            <a:lnRef idx="2">
+              <a:schemeClr val="accent3"/>
+            </a:lnRef>
+            <a:fillRef idx="1">
+              <a:schemeClr val="lt1"/>
+            </a:fillRef>
+            <a:effectRef idx="0">
+              <a:schemeClr val="accent3"/>
+            </a:effectRef>
+            <a:fontRef idx="minor">
+              <a:schemeClr val="dk1"/>
+            </a:fontRef>
+          </p:style>
+          <p:txBody>
+            <a:bodyPr rtlCol="0" anchor="ctr"/>
+            <a:lstStyle/>
+            <a:p>
+              <a:pPr algn="ctr"/>
+              <a:endParaRPr lang="en-US"/>
+            </a:p>
+          </p:txBody>
+        </p:sp>
+        <p:sp>
+          <p:nvSpPr>
+            <p:cNvPr id="100" name="Rectangle 99"/>
+            <p:cNvSpPr/>
+            <p:nvPr/>
+          </p:nvSpPr>
+          <p:spPr>
+            <a:xfrm>
+              <a:off x="6617777" y="898900"/>
+              <a:ext cx="1255363" cy="1255363"/>
+            </a:xfrm>
+            <a:prstGeom prst="rect">
+              <a:avLst/>
+            </a:prstGeom>
+          </p:spPr>
+          <p:style>
+            <a:lnRef idx="2">
+              <a:schemeClr val="accent3"/>
+            </a:lnRef>
+            <a:fillRef idx="1">
+              <a:schemeClr val="lt1"/>
+            </a:fillRef>
+            <a:effectRef idx="0">
+              <a:schemeClr val="accent3"/>
+            </a:effectRef>
+            <a:fontRef idx="minor">
+              <a:schemeClr val="dk1"/>
+            </a:fontRef>
+          </p:style>
+          <p:txBody>
+            <a:bodyPr rtlCol="0" anchor="ctr"/>
+            <a:lstStyle/>
+            <a:p>
+              <a:pPr algn="ctr"/>
+              <a:endParaRPr lang="en-US"/>
+            </a:p>
+          </p:txBody>
+        </p:sp>
+        <p:sp>
+          <p:nvSpPr>
+            <p:cNvPr id="101" name="Rectangle 100"/>
+            <p:cNvSpPr/>
+            <p:nvPr/>
+          </p:nvSpPr>
+          <p:spPr>
+            <a:xfrm>
+              <a:off x="6617777" y="2154262"/>
+              <a:ext cx="1255363" cy="1255363"/>
+            </a:xfrm>
+            <a:prstGeom prst="rect">
+              <a:avLst/>
+            </a:prstGeom>
+          </p:spPr>
+          <p:style>
+            <a:lnRef idx="2">
+              <a:schemeClr val="accent3"/>
+            </a:lnRef>
+            <a:fillRef idx="1">
+              <a:schemeClr val="lt1"/>
+            </a:fillRef>
+            <a:effectRef idx="0">
+              <a:schemeClr val="accent3"/>
+            </a:effectRef>
+            <a:fontRef idx="minor">
+              <a:schemeClr val="dk1"/>
+            </a:fontRef>
+          </p:style>
+          <p:txBody>
+            <a:bodyPr rtlCol="0" anchor="ctr"/>
+            <a:lstStyle/>
+            <a:p>
+              <a:pPr algn="ctr"/>
+              <a:endParaRPr lang="en-US"/>
+            </a:p>
+          </p:txBody>
+        </p:sp>
+        <p:sp>
+          <p:nvSpPr>
+            <p:cNvPr id="102" name="Rectangle 101"/>
+            <p:cNvSpPr/>
+            <p:nvPr/>
+          </p:nvSpPr>
+          <p:spPr>
+            <a:xfrm>
+              <a:off x="6617777" y="3409625"/>
+              <a:ext cx="1255363" cy="1255363"/>
+            </a:xfrm>
+            <a:prstGeom prst="rect">
+              <a:avLst/>
+            </a:prstGeom>
+          </p:spPr>
+          <p:style>
+            <a:lnRef idx="2">
+              <a:schemeClr val="accent3"/>
+            </a:lnRef>
+            <a:fillRef idx="1">
+              <a:schemeClr val="lt1"/>
+            </a:fillRef>
+            <a:effectRef idx="0">
+              <a:schemeClr val="accent3"/>
+            </a:effectRef>
+            <a:fontRef idx="minor">
+              <a:schemeClr val="dk1"/>
+            </a:fontRef>
+          </p:style>
+          <p:txBody>
+            <a:bodyPr rtlCol="0" anchor="ctr"/>
+            <a:lstStyle/>
+            <a:p>
+              <a:pPr algn="ctr"/>
+              <a:endParaRPr lang="en-US"/>
+            </a:p>
+          </p:txBody>
+        </p:sp>
+        <p:pic>
+          <p:nvPicPr>
+            <p:cNvPr id="103" name="Picture 102"/>
+            <p:cNvPicPr>
+              <a:picLocks noChangeAspect="1"/>
+            </p:cNvPicPr>
+            <p:nvPr/>
+          </p:nvPicPr>
+          <p:blipFill>
+            <a:blip r:embed="rId3"/>
+            <a:stretch>
+              <a:fillRect/>
+            </a:stretch>
+          </p:blipFill>
+          <p:spPr>
+            <a:xfrm>
+              <a:off x="4150572" y="2309783"/>
+              <a:ext cx="1168321" cy="944320"/>
+            </a:xfrm>
+            <a:prstGeom prst="rect">
+              <a:avLst/>
+            </a:prstGeom>
+          </p:spPr>
+        </p:pic>
+        <p:pic>
+          <p:nvPicPr>
+            <p:cNvPr id="106" name="Picture 105"/>
+            <p:cNvPicPr>
+              <a:picLocks noChangeAspect="1"/>
+            </p:cNvPicPr>
+            <p:nvPr/>
+          </p:nvPicPr>
+          <p:blipFill>
+            <a:blip r:embed="rId4"/>
+            <a:stretch>
+              <a:fillRect/>
+            </a:stretch>
+          </p:blipFill>
+          <p:spPr>
+            <a:xfrm>
+              <a:off x="1849429" y="955595"/>
+              <a:ext cx="749155" cy="1129975"/>
+            </a:xfrm>
+            <a:prstGeom prst="rect">
+              <a:avLst/>
+            </a:prstGeom>
+          </p:spPr>
+        </p:pic>
+      </p:grpSp>
+      <p:sp>
+        <p:nvSpPr>
+          <p:cNvPr id="107" name="Right Arrow 106"/>
+          <p:cNvSpPr/>
+          <p:nvPr/>
+        </p:nvSpPr>
+        <p:spPr>
+          <a:xfrm>
+            <a:off x="6715627" y="1208614"/>
+            <a:ext cx="384313" cy="369404"/>
+          </a:xfrm>
+          <a:prstGeom prst="rightArrow">
+            <a:avLst/>
+          </a:prstGeom>
+        </p:spPr>
+        <p:style>
+          <a:lnRef idx="2">
+            <a:schemeClr val="accent3">
+              <a:shade val="50000"/>
+            </a:schemeClr>
+          </a:lnRef>
+          <a:fillRef idx="1">
+            <a:schemeClr val="accent3"/>
+          </a:fillRef>
+          <a:effectRef idx="0">
+            <a:schemeClr val="accent3"/>
+          </a:effectRef>
+          <a:fontRef idx="minor">
+            <a:schemeClr val="lt1"/>
+          </a:fontRef>
+        </p:style>
+        <p:txBody>
+          <a:bodyPr rtlCol="0" anchor="ctr"/>
+          <a:lstStyle/>
+          <a:p>
+            <a:pPr algn="ctr"/>
+            <a:endParaRPr lang="en-US"/>
+          </a:p>
+        </p:txBody>
+      </p:sp>
+    </p:spTree>
+    <p:extLst>
+      <p:ext uri="{BB962C8B-B14F-4D97-AF65-F5344CB8AC3E}">
+        <p14:creationId xmlns:p14="http://schemas.microsoft.com/office/powerpoint/2010/main" val="653620538"/>
+      </p:ext>
+    </p:extLst>
+  </p:cSld>
+  <p:clrMapOvr>
+    <a:masterClrMapping/>
+  </p:clrMapOvr>
+  <p:timing>
+    <p:tnLst>
+      <p:par>
+        <p:cTn id="1" dur="indefinite" restart="never" nodeType="tmRoot"/>
+      </p:par>
+    </p:tnLst>
+  </p:timing>
+</p:sld>
+</file>
+
+<file path=ppt/slides/slide7.xml><?xml version="1.0" encoding="utf-8"?>
+<p:sld xmlns:a="http://schemas.openxmlformats.org/drawingml/2006/main" xmlns:r="http://schemas.openxmlformats.org/officeDocument/2006/relationships" xmlns:p="http://schemas.openxmlformats.org/presentationml/2006/main">
+  <p:cSld>
+    <p:spTree>
+      <p:nvGrpSpPr>
+        <p:cNvPr id="1" name=""/>
+        <p:cNvGrpSpPr/>
+        <p:nvPr/>
+      </p:nvGrpSpPr>
+      <p:grpSpPr>
+        <a:xfrm>
+          <a:off x="0" y="0"/>
+          <a:ext cx="0" cy="0"/>
+          <a:chOff x="0" y="0"/>
+          <a:chExt cx="0" cy="0"/>
+        </a:xfrm>
+      </p:grpSpPr>
+      <p:sp>
+        <p:nvSpPr>
+          <p:cNvPr id="4" name="Oval 3"/>
+          <p:cNvSpPr/>
+          <p:nvPr/>
+        </p:nvSpPr>
+        <p:spPr>
+          <a:xfrm>
+            <a:off x="1814052" y="1312606"/>
+            <a:ext cx="2315497" cy="2315497"/>
+          </a:xfrm>
+          <a:prstGeom prst="ellipse">
+            <a:avLst/>
+          </a:prstGeom>
+          <a:solidFill>
+            <a:schemeClr val="accent2">
+              <a:lumMod val="20000"/>
+              <a:lumOff val="80000"/>
+            </a:schemeClr>
+          </a:solidFill>
+          <a:ln>
+            <a:solidFill>
+              <a:schemeClr val="accent2"/>
+            </a:solidFill>
+          </a:ln>
+        </p:spPr>
+        <p:style>
+          <a:lnRef idx="2">
+            <a:schemeClr val="accent1">
+              <a:shade val="50000"/>
+            </a:schemeClr>
+          </a:lnRef>
+          <a:fillRef idx="1">
+            <a:schemeClr val="accent1"/>
+          </a:fillRef>
+          <a:effectRef idx="0">
+            <a:schemeClr val="accent1"/>
+          </a:effectRef>
+          <a:fontRef idx="minor">
+            <a:schemeClr val="lt1"/>
+          </a:fontRef>
+        </p:style>
+        <p:txBody>
+          <a:bodyPr rtlCol="0" anchor="ctr"/>
+          <a:lstStyle/>
+          <a:p>
+            <a:pPr algn="ctr"/>
+            <a:r>
+              <a:rPr lang="en-US" altLang="zh-CN" dirty="0" smtClean="0">
+                <a:solidFill>
+                  <a:schemeClr val="accent2"/>
+                </a:solidFill>
+              </a:rPr>
+              <a:t>100</a:t>
+            </a:r>
+            <a:r>
+              <a:rPr lang="zh-CN" altLang="en-US" dirty="0" smtClean="0">
+                <a:solidFill>
+                  <a:schemeClr val="accent2"/>
+                </a:solidFill>
+              </a:rPr>
+              <a:t>订单</a:t>
+            </a:r>
+            <a:endParaRPr lang="en-US" dirty="0">
+              <a:solidFill>
+                <a:schemeClr val="accent2"/>
+              </a:solidFill>
+            </a:endParaRPr>
+          </a:p>
+        </p:txBody>
+      </p:sp>
+      <p:sp>
+        <p:nvSpPr>
+          <p:cNvPr id="5" name="Oval 4"/>
+          <p:cNvSpPr/>
+          <p:nvPr/>
+        </p:nvSpPr>
+        <p:spPr>
+          <a:xfrm>
+            <a:off x="5973097" y="1832485"/>
+            <a:ext cx="1275737" cy="1275737"/>
+          </a:xfrm>
+          <a:prstGeom prst="ellipse">
+            <a:avLst/>
+          </a:prstGeom>
+        </p:spPr>
+        <p:style>
+          <a:lnRef idx="2">
+            <a:schemeClr val="accent1">
+              <a:shade val="50000"/>
+            </a:schemeClr>
+          </a:lnRef>
+          <a:fillRef idx="1">
+            <a:schemeClr val="accent1"/>
+          </a:fillRef>
+          <a:effectRef idx="0">
+            <a:schemeClr val="accent1"/>
+          </a:effectRef>
+          <a:fontRef idx="minor">
+            <a:schemeClr val="lt1"/>
+          </a:fontRef>
+        </p:style>
+        <p:txBody>
+          <a:bodyPr rtlCol="0" anchor="ctr"/>
+          <a:lstStyle/>
+          <a:p>
+            <a:pPr algn="ctr"/>
+            <a:r>
+              <a:rPr lang="en-US" altLang="zh-CN" dirty="0"/>
+              <a:t>6</a:t>
+            </a:r>
+            <a:r>
+              <a:rPr lang="en-US" altLang="zh-CN" dirty="0" smtClean="0"/>
+              <a:t>0</a:t>
+            </a:r>
+            <a:r>
+              <a:rPr lang="zh-CN" altLang="en-US" dirty="0" smtClean="0"/>
+              <a:t>订单</a:t>
+            </a:r>
+            <a:endParaRPr lang="en-US" dirty="0"/>
+          </a:p>
+        </p:txBody>
+      </p:sp>
+      <p:sp>
+        <p:nvSpPr>
+          <p:cNvPr id="6" name="TextBox 5"/>
+          <p:cNvSpPr txBox="1"/>
+          <p:nvPr/>
+        </p:nvSpPr>
+        <p:spPr>
+          <a:xfrm>
+            <a:off x="2745616" y="666275"/>
+            <a:ext cx="452368" cy="646331"/>
+          </a:xfrm>
+          <a:prstGeom prst="rect">
+            <a:avLst/>
+          </a:prstGeom>
+          <a:noFill/>
+        </p:spPr>
+        <p:txBody>
+          <a:bodyPr wrap="none" rtlCol="0">
+            <a:spAutoFit/>
+          </a:bodyPr>
+          <a:lstStyle/>
+          <a:p>
+            <a:r>
+              <a:rPr lang="en-US" altLang="zh-CN" sz="3600" dirty="0" smtClean="0"/>
+              <a:t>A</a:t>
+            </a:r>
+            <a:endParaRPr lang="en-US" sz="3600" dirty="0"/>
+          </a:p>
+        </p:txBody>
+      </p:sp>
+      <p:sp>
+        <p:nvSpPr>
+          <p:cNvPr id="7" name="TextBox 6"/>
+          <p:cNvSpPr txBox="1"/>
+          <p:nvPr/>
+        </p:nvSpPr>
+        <p:spPr>
+          <a:xfrm>
+            <a:off x="6384781" y="666275"/>
+            <a:ext cx="452368" cy="646331"/>
+          </a:xfrm>
+          <a:prstGeom prst="rect">
+            <a:avLst/>
+          </a:prstGeom>
+          <a:noFill/>
+        </p:spPr>
+        <p:txBody>
+          <a:bodyPr wrap="none" rtlCol="0">
+            <a:spAutoFit/>
+          </a:bodyPr>
+          <a:lstStyle/>
+          <a:p>
+            <a:r>
+              <a:rPr lang="en-US" altLang="zh-CN" sz="3600" dirty="0" smtClean="0"/>
+              <a:t>B</a:t>
+            </a:r>
+            <a:endParaRPr lang="en-US" sz="3600" dirty="0"/>
+          </a:p>
+        </p:txBody>
+      </p:sp>
+      <p:cxnSp>
+        <p:nvCxnSpPr>
+          <p:cNvPr id="9" name="Straight Arrow Connector 8"/>
+          <p:cNvCxnSpPr/>
+          <p:nvPr/>
+        </p:nvCxnSpPr>
+        <p:spPr>
+          <a:xfrm>
+            <a:off x="3657600" y="2470353"/>
+            <a:ext cx="2492477" cy="0"/>
+          </a:xfrm>
+          <a:prstGeom prst="straightConnector1">
+            <a:avLst/>
+          </a:prstGeom>
+          <a:ln w="63500">
+            <a:tailEnd type="triangle"/>
+          </a:ln>
+        </p:spPr>
+        <p:style>
+          <a:lnRef idx="3">
+            <a:schemeClr val="accent4"/>
+          </a:lnRef>
+          <a:fillRef idx="0">
+            <a:schemeClr val="accent4"/>
+          </a:fillRef>
+          <a:effectRef idx="2">
+            <a:schemeClr val="accent4"/>
+          </a:effectRef>
+          <a:fontRef idx="minor">
+            <a:schemeClr val="tx1"/>
+          </a:fontRef>
+        </p:style>
+      </p:cxnSp>
+      <p:cxnSp>
+        <p:nvCxnSpPr>
+          <p:cNvPr id="10" name="Straight Arrow Connector 9"/>
+          <p:cNvCxnSpPr/>
+          <p:nvPr/>
+        </p:nvCxnSpPr>
+        <p:spPr>
+          <a:xfrm flipH="1" flipV="1">
+            <a:off x="3657601" y="2595717"/>
+            <a:ext cx="2492476" cy="14748"/>
+          </a:xfrm>
+          <a:prstGeom prst="straightConnector1">
+            <a:avLst/>
+          </a:prstGeom>
+          <a:ln w="63500">
+            <a:tailEnd type="triangle"/>
+          </a:ln>
+        </p:spPr>
+        <p:style>
+          <a:lnRef idx="3">
+            <a:schemeClr val="accent4"/>
+          </a:lnRef>
+          <a:fillRef idx="0">
+            <a:schemeClr val="accent4"/>
+          </a:fillRef>
+          <a:effectRef idx="2">
+            <a:schemeClr val="accent4"/>
+          </a:effectRef>
+          <a:fontRef idx="minor">
+            <a:schemeClr val="tx1"/>
+          </a:fontRef>
+        </p:style>
+      </p:cxnSp>
+      <p:sp>
+        <p:nvSpPr>
+          <p:cNvPr id="14" name="TextBox 13"/>
+          <p:cNvSpPr txBox="1"/>
+          <p:nvPr/>
+        </p:nvSpPr>
+        <p:spPr>
+          <a:xfrm>
+            <a:off x="4661679" y="1912821"/>
+            <a:ext cx="1117233" cy="461665"/>
+          </a:xfrm>
+          <a:prstGeom prst="rect">
+            <a:avLst/>
+          </a:prstGeom>
+          <a:noFill/>
+        </p:spPr>
+        <p:txBody>
+          <a:bodyPr wrap="square" rtlCol="0">
+            <a:spAutoFit/>
+          </a:bodyPr>
+          <a:lstStyle/>
+          <a:p>
+            <a:r>
+              <a:rPr lang="en-US" altLang="zh-CN" sz="2400" dirty="0" smtClean="0"/>
+              <a:t>50%</a:t>
+            </a:r>
+            <a:endParaRPr lang="en-US" sz="2400" dirty="0"/>
+          </a:p>
+        </p:txBody>
+      </p:sp>
+      <p:sp>
+        <p:nvSpPr>
+          <p:cNvPr id="15" name="TextBox 14"/>
+          <p:cNvSpPr txBox="1"/>
+          <p:nvPr/>
+        </p:nvSpPr>
+        <p:spPr>
+          <a:xfrm>
+            <a:off x="4661678" y="2657618"/>
+            <a:ext cx="1117233" cy="461665"/>
+          </a:xfrm>
+          <a:prstGeom prst="rect">
+            <a:avLst/>
+          </a:prstGeom>
+          <a:noFill/>
+        </p:spPr>
+        <p:txBody>
+          <a:bodyPr wrap="square" rtlCol="0">
+            <a:spAutoFit/>
+          </a:bodyPr>
+          <a:lstStyle/>
+          <a:p>
+            <a:r>
+              <a:rPr lang="en-US" altLang="zh-CN" sz="2400" dirty="0" smtClean="0"/>
+              <a:t>50%</a:t>
+            </a:r>
+            <a:endParaRPr lang="en-US" sz="2400" dirty="0"/>
+          </a:p>
+        </p:txBody>
+      </p:sp>
+    </p:spTree>
+    <p:extLst>
+      <p:ext uri="{BB962C8B-B14F-4D97-AF65-F5344CB8AC3E}">
+        <p14:creationId xmlns:p14="http://schemas.microsoft.com/office/powerpoint/2010/main" val="1491217226"/>
+      </p:ext>
+    </p:extLst>
+  </p:cSld>
+  <p:clrMapOvr>
+    <a:masterClrMapping/>
+  </p:clrMapOvr>
 </p:sld>
 </file>
 
